--- a/Welcome to Machine Learning Naive Bayes.pptx
+++ b/Welcome to Machine Learning Naive Bayes.pptx
@@ -2,7 +2,7 @@
 <file path=ppt/presentation.xml><?xml version="1.0" encoding="utf-8"?>
 <p:presentation xmlns:a="http://schemas.openxmlformats.org/drawingml/2006/main" xmlns:r="http://schemas.openxmlformats.org/officeDocument/2006/relationships" xmlns:p="http://schemas.openxmlformats.org/presentationml/2006/main" saveSubsetFonts="1">
   <p:sldMasterIdLst>
-    <p:sldMasterId id="2147483648" r:id="rId1"/>
+    <p:sldMasterId id="2147483673" r:id="rId1"/>
   </p:sldMasterIdLst>
   <p:notesMasterIdLst>
     <p:notesMasterId r:id="rId9"/>
@@ -572,20 +572,6 @@
 <file path=ppt/slideLayouts/slideLayout1.xml><?xml version="1.0" encoding="utf-8"?>
 <p:sldLayout xmlns:a="http://schemas.openxmlformats.org/drawingml/2006/main" xmlns:r="http://schemas.openxmlformats.org/officeDocument/2006/relationships" xmlns:p="http://schemas.openxmlformats.org/presentationml/2006/main" type="title" preserve="1">
   <p:cSld name="Title Slide">
-    <p:bg>
-      <p:bgPr>
-        <a:blipFill dpi="0" rotWithShape="1">
-          <a:blip r:embed="rId2">
-            <a:lum/>
-          </a:blip>
-          <a:srcRect/>
-          <a:stretch>
-            <a:fillRect/>
-          </a:stretch>
-        </a:blipFill>
-        <a:effectLst/>
-      </p:bgPr>
-    </p:bg>
     <p:spTree>
       <p:nvGrpSpPr>
         <p:cNvPr id="1" name=""/>
@@ -607,48 +593,28 @@
             <a:spLocks noGrp="1"/>
           </p:cNvSpPr>
           <p:nvPr>
-            <p:ph type="ctrTitle" hasCustomPrompt="1"/>
-          </p:nvPr>
-        </p:nvSpPr>
-        <p:spPr>
-          <a:xfrm>
-            <a:off x="2281425" y="1655520"/>
-            <a:ext cx="6260905" cy="1527050"/>
-          </a:xfrm>
-          <a:noFill/>
-          <a:effectLst>
-            <a:outerShdw blurRad="50800" dist="38100" dir="2700000" algn="tl" rotWithShape="0">
-              <a:prstClr val="black">
-                <a:alpha val="40000"/>
-              </a:prstClr>
-            </a:outerShdw>
-          </a:effectLst>
-        </p:spPr>
-        <p:txBody>
-          <a:bodyPr>
-            <a:normAutofit/>
-          </a:bodyPr>
+            <p:ph type="ctrTitle"/>
+          </p:nvPr>
+        </p:nvSpPr>
+        <p:spPr>
+          <a:xfrm>
+            <a:off x="1143000" y="841772"/>
+            <a:ext cx="6858000" cy="1790700"/>
+          </a:xfrm>
+        </p:spPr>
+        <p:txBody>
+          <a:bodyPr anchor="b"/>
           <a:lstStyle>
-            <a:lvl1pPr algn="r">
-              <a:defRPr sz="3600">
-                <a:solidFill>
-                  <a:schemeClr val="bg1"/>
-                </a:solidFill>
-              </a:defRPr>
+            <a:lvl1pPr algn="ctr">
+              <a:defRPr sz="4500"/>
             </a:lvl1pPr>
           </a:lstStyle>
           <a:p>
             <a:r>
-              <a:rPr lang="en-US" dirty="0"/>
-              <a:t>Click to edit </a:t>
-            </a:r>
-            <a:br>
-              <a:rPr lang="en-US" dirty="0"/>
-            </a:br>
-            <a:r>
-              <a:rPr lang="en-US" dirty="0"/>
-              <a:t>Master title style</a:t>
-            </a:r>
+              <a:rPr lang="en-US" smtClean="0"/>
+              <a:t>Click to edit Master title style</a:t>
+            </a:r>
+            <a:endParaRPr lang="en-GB"/>
           </a:p>
         </p:txBody>
       </p:sp>
@@ -664,109 +630,56 @@
         </p:nvSpPr>
         <p:spPr>
           <a:xfrm>
-            <a:off x="448964" y="3793390"/>
-            <a:ext cx="8093365" cy="610820"/>
-          </a:xfrm>
-        </p:spPr>
-        <p:txBody>
-          <a:bodyPr>
-            <a:normAutofit/>
-          </a:bodyPr>
+            <a:off x="1143000" y="2701528"/>
+            <a:ext cx="6858000" cy="1241822"/>
+          </a:xfrm>
+        </p:spPr>
+        <p:txBody>
+          <a:bodyPr/>
           <a:lstStyle>
-            <a:lvl1pPr marL="0" indent="0" algn="r">
-              <a:buNone/>
-              <a:defRPr sz="2800" b="0" i="0">
-                <a:solidFill>
-                  <a:srgbClr val="0070C0"/>
-                </a:solidFill>
-              </a:defRPr>
+            <a:lvl1pPr marL="0" indent="0" algn="ctr">
+              <a:buNone/>
+              <a:defRPr sz="1800"/>
             </a:lvl1pPr>
-            <a:lvl2pPr marL="457200" indent="0" algn="ctr">
-              <a:buNone/>
-              <a:defRPr>
-                <a:solidFill>
-                  <a:schemeClr val="tx1">
-                    <a:tint val="75000"/>
-                  </a:schemeClr>
-                </a:solidFill>
-              </a:defRPr>
+            <a:lvl2pPr marL="342900" indent="0" algn="ctr">
+              <a:buNone/>
+              <a:defRPr sz="1500"/>
             </a:lvl2pPr>
-            <a:lvl3pPr marL="914400" indent="0" algn="ctr">
-              <a:buNone/>
-              <a:defRPr>
-                <a:solidFill>
-                  <a:schemeClr val="tx1">
-                    <a:tint val="75000"/>
-                  </a:schemeClr>
-                </a:solidFill>
-              </a:defRPr>
+            <a:lvl3pPr marL="685800" indent="0" algn="ctr">
+              <a:buNone/>
+              <a:defRPr sz="1350"/>
             </a:lvl3pPr>
-            <a:lvl4pPr marL="1371600" indent="0" algn="ctr">
-              <a:buNone/>
-              <a:defRPr>
-                <a:solidFill>
-                  <a:schemeClr val="tx1">
-                    <a:tint val="75000"/>
-                  </a:schemeClr>
-                </a:solidFill>
-              </a:defRPr>
+            <a:lvl4pPr marL="1028700" indent="0" algn="ctr">
+              <a:buNone/>
+              <a:defRPr sz="1200"/>
             </a:lvl4pPr>
-            <a:lvl5pPr marL="1828800" indent="0" algn="ctr">
-              <a:buNone/>
-              <a:defRPr>
-                <a:solidFill>
-                  <a:schemeClr val="tx1">
-                    <a:tint val="75000"/>
-                  </a:schemeClr>
-                </a:solidFill>
-              </a:defRPr>
+            <a:lvl5pPr marL="1371600" indent="0" algn="ctr">
+              <a:buNone/>
+              <a:defRPr sz="1200"/>
             </a:lvl5pPr>
-            <a:lvl6pPr marL="2286000" indent="0" algn="ctr">
-              <a:buNone/>
-              <a:defRPr>
-                <a:solidFill>
-                  <a:schemeClr val="tx1">
-                    <a:tint val="75000"/>
-                  </a:schemeClr>
-                </a:solidFill>
-              </a:defRPr>
+            <a:lvl6pPr marL="1714500" indent="0" algn="ctr">
+              <a:buNone/>
+              <a:defRPr sz="1200"/>
             </a:lvl6pPr>
-            <a:lvl7pPr marL="2743200" indent="0" algn="ctr">
-              <a:buNone/>
-              <a:defRPr>
-                <a:solidFill>
-                  <a:schemeClr val="tx1">
-                    <a:tint val="75000"/>
-                  </a:schemeClr>
-                </a:solidFill>
-              </a:defRPr>
+            <a:lvl7pPr marL="2057400" indent="0" algn="ctr">
+              <a:buNone/>
+              <a:defRPr sz="1200"/>
             </a:lvl7pPr>
-            <a:lvl8pPr marL="3200400" indent="0" algn="ctr">
-              <a:buNone/>
-              <a:defRPr>
-                <a:solidFill>
-                  <a:schemeClr val="tx1">
-                    <a:tint val="75000"/>
-                  </a:schemeClr>
-                </a:solidFill>
-              </a:defRPr>
+            <a:lvl8pPr marL="2400300" indent="0" algn="ctr">
+              <a:buNone/>
+              <a:defRPr sz="1200"/>
             </a:lvl8pPr>
-            <a:lvl9pPr marL="3657600" indent="0" algn="ctr">
-              <a:buNone/>
-              <a:defRPr>
-                <a:solidFill>
-                  <a:schemeClr val="tx1">
-                    <a:tint val="75000"/>
-                  </a:schemeClr>
-                </a:solidFill>
-              </a:defRPr>
+            <a:lvl9pPr marL="2743200" indent="0" algn="ctr">
+              <a:buNone/>
+              <a:defRPr sz="1200"/>
             </a:lvl9pPr>
           </a:lstStyle>
           <a:p>
             <a:r>
-              <a:rPr lang="en-US" dirty="0"/>
+              <a:rPr lang="en-US" smtClean="0"/>
               <a:t>Click to edit Master subtitle style</a:t>
             </a:r>
+            <a:endParaRPr lang="en-GB"/>
           </a:p>
         </p:txBody>
       </p:sp>
@@ -840,7 +753,7 @@
     </p:spTree>
     <p:extLst>
       <p:ext uri="{BB962C8B-B14F-4D97-AF65-F5344CB8AC3E}">
-        <p14:creationId xmlns:p14="http://schemas.microsoft.com/office/powerpoint/2010/main" val="3253875174"/>
+        <p14:creationId xmlns:p14="http://schemas.microsoft.com/office/powerpoint/2010/main" val="2831465220"/>
       </p:ext>
     </p:extLst>
   </p:cSld>
@@ -851,260 +764,6 @@
 </file>
 
 <file path=ppt/slideLayouts/slideLayout10.xml><?xml version="1.0" encoding="utf-8"?>
-<p:sldLayout xmlns:a="http://schemas.openxmlformats.org/drawingml/2006/main" xmlns:r="http://schemas.openxmlformats.org/officeDocument/2006/relationships" xmlns:p="http://schemas.openxmlformats.org/presentationml/2006/main" type="picTx" preserve="1">
-  <p:cSld name="Picture with Caption">
-    <p:spTree>
-      <p:nvGrpSpPr>
-        <p:cNvPr id="1" name=""/>
-        <p:cNvGrpSpPr/>
-        <p:nvPr/>
-      </p:nvGrpSpPr>
-      <p:grpSpPr>
-        <a:xfrm>
-          <a:off x="0" y="0"/>
-          <a:ext cx="0" cy="0"/>
-          <a:chOff x="0" y="0"/>
-          <a:chExt cx="0" cy="0"/>
-        </a:xfrm>
-      </p:grpSpPr>
-      <p:sp>
-        <p:nvSpPr>
-          <p:cNvPr id="2" name="Title 1"/>
-          <p:cNvSpPr>
-            <a:spLocks noGrp="1"/>
-          </p:cNvSpPr>
-          <p:nvPr>
-            <p:ph type="title"/>
-          </p:nvPr>
-        </p:nvSpPr>
-        <p:spPr>
-          <a:xfrm>
-            <a:off x="1792288" y="3600450"/>
-            <a:ext cx="5486400" cy="425054"/>
-          </a:xfrm>
-        </p:spPr>
-        <p:txBody>
-          <a:bodyPr anchor="b"/>
-          <a:lstStyle>
-            <a:lvl1pPr algn="l">
-              <a:defRPr sz="2000" b="1"/>
-            </a:lvl1pPr>
-          </a:lstStyle>
-          <a:p>
-            <a:r>
-              <a:rPr lang="en-US"/>
-              <a:t>Click to edit Master title style</a:t>
-            </a:r>
-          </a:p>
-        </p:txBody>
-      </p:sp>
-      <p:sp>
-        <p:nvSpPr>
-          <p:cNvPr id="3" name="Picture Placeholder 2"/>
-          <p:cNvSpPr>
-            <a:spLocks noGrp="1"/>
-          </p:cNvSpPr>
-          <p:nvPr>
-            <p:ph type="pic" idx="1"/>
-          </p:nvPr>
-        </p:nvSpPr>
-        <p:spPr>
-          <a:xfrm>
-            <a:off x="1792288" y="459581"/>
-            <a:ext cx="5486400" cy="3086100"/>
-          </a:xfrm>
-        </p:spPr>
-        <p:txBody>
-          <a:bodyPr/>
-          <a:lstStyle>
-            <a:lvl1pPr marL="0" indent="0">
-              <a:buNone/>
-              <a:defRPr sz="3200"/>
-            </a:lvl1pPr>
-            <a:lvl2pPr marL="457200" indent="0">
-              <a:buNone/>
-              <a:defRPr sz="2800"/>
-            </a:lvl2pPr>
-            <a:lvl3pPr marL="914400" indent="0">
-              <a:buNone/>
-              <a:defRPr sz="2400"/>
-            </a:lvl3pPr>
-            <a:lvl4pPr marL="1371600" indent="0">
-              <a:buNone/>
-              <a:defRPr sz="2000"/>
-            </a:lvl4pPr>
-            <a:lvl5pPr marL="1828800" indent="0">
-              <a:buNone/>
-              <a:defRPr sz="2000"/>
-            </a:lvl5pPr>
-            <a:lvl6pPr marL="2286000" indent="0">
-              <a:buNone/>
-              <a:defRPr sz="2000"/>
-            </a:lvl6pPr>
-            <a:lvl7pPr marL="2743200" indent="0">
-              <a:buNone/>
-              <a:defRPr sz="2000"/>
-            </a:lvl7pPr>
-            <a:lvl8pPr marL="3200400" indent="0">
-              <a:buNone/>
-              <a:defRPr sz="2000"/>
-            </a:lvl8pPr>
-            <a:lvl9pPr marL="3657600" indent="0">
-              <a:buNone/>
-              <a:defRPr sz="2000"/>
-            </a:lvl9pPr>
-          </a:lstStyle>
-          <a:p>
-            <a:endParaRPr lang="en-US"/>
-          </a:p>
-        </p:txBody>
-      </p:sp>
-      <p:sp>
-        <p:nvSpPr>
-          <p:cNvPr id="4" name="Text Placeholder 3"/>
-          <p:cNvSpPr>
-            <a:spLocks noGrp="1"/>
-          </p:cNvSpPr>
-          <p:nvPr>
-            <p:ph type="body" sz="half" idx="2"/>
-          </p:nvPr>
-        </p:nvSpPr>
-        <p:spPr>
-          <a:xfrm>
-            <a:off x="1792288" y="4025503"/>
-            <a:ext cx="5486400" cy="603647"/>
-          </a:xfrm>
-        </p:spPr>
-        <p:txBody>
-          <a:bodyPr/>
-          <a:lstStyle>
-            <a:lvl1pPr marL="0" indent="0">
-              <a:buNone/>
-              <a:defRPr sz="1400"/>
-            </a:lvl1pPr>
-            <a:lvl2pPr marL="457200" indent="0">
-              <a:buNone/>
-              <a:defRPr sz="1200"/>
-            </a:lvl2pPr>
-            <a:lvl3pPr marL="914400" indent="0">
-              <a:buNone/>
-              <a:defRPr sz="1000"/>
-            </a:lvl3pPr>
-            <a:lvl4pPr marL="1371600" indent="0">
-              <a:buNone/>
-              <a:defRPr sz="900"/>
-            </a:lvl4pPr>
-            <a:lvl5pPr marL="1828800" indent="0">
-              <a:buNone/>
-              <a:defRPr sz="900"/>
-            </a:lvl5pPr>
-            <a:lvl6pPr marL="2286000" indent="0">
-              <a:buNone/>
-              <a:defRPr sz="900"/>
-            </a:lvl6pPr>
-            <a:lvl7pPr marL="2743200" indent="0">
-              <a:buNone/>
-              <a:defRPr sz="900"/>
-            </a:lvl7pPr>
-            <a:lvl8pPr marL="3200400" indent="0">
-              <a:buNone/>
-              <a:defRPr sz="900"/>
-            </a:lvl8pPr>
-            <a:lvl9pPr marL="3657600" indent="0">
-              <a:buNone/>
-              <a:defRPr sz="900"/>
-            </a:lvl9pPr>
-          </a:lstStyle>
-          <a:p>
-            <a:pPr lvl="0"/>
-            <a:r>
-              <a:rPr lang="en-US"/>
-              <a:t>Click to edit Master text styles</a:t>
-            </a:r>
-          </a:p>
-        </p:txBody>
-      </p:sp>
-      <p:sp>
-        <p:nvSpPr>
-          <p:cNvPr id="5" name="Date Placeholder 4"/>
-          <p:cNvSpPr>
-            <a:spLocks noGrp="1"/>
-          </p:cNvSpPr>
-          <p:nvPr>
-            <p:ph type="dt" sz="half" idx="10"/>
-          </p:nvPr>
-        </p:nvSpPr>
-        <p:spPr/>
-        <p:txBody>
-          <a:bodyPr/>
-          <a:lstStyle/>
-          <a:p>
-            <a:fld id="{53074F12-AA26-4AC8-9962-C36BB8F32554}" type="datetimeFigureOut">
-              <a:rPr lang="en-US" smtClean="0"/>
-              <a:pPr/>
-              <a:t>8/3/2018</a:t>
-            </a:fld>
-            <a:endParaRPr lang="en-US"/>
-          </a:p>
-        </p:txBody>
-      </p:sp>
-      <p:sp>
-        <p:nvSpPr>
-          <p:cNvPr id="6" name="Footer Placeholder 5"/>
-          <p:cNvSpPr>
-            <a:spLocks noGrp="1"/>
-          </p:cNvSpPr>
-          <p:nvPr>
-            <p:ph type="ftr" sz="quarter" idx="11"/>
-          </p:nvPr>
-        </p:nvSpPr>
-        <p:spPr/>
-        <p:txBody>
-          <a:bodyPr/>
-          <a:lstStyle/>
-          <a:p>
-            <a:endParaRPr lang="en-US"/>
-          </a:p>
-        </p:txBody>
-      </p:sp>
-      <p:sp>
-        <p:nvSpPr>
-          <p:cNvPr id="7" name="Slide Number Placeholder 6"/>
-          <p:cNvSpPr>
-            <a:spLocks noGrp="1"/>
-          </p:cNvSpPr>
-          <p:nvPr>
-            <p:ph type="sldNum" sz="quarter" idx="12"/>
-          </p:nvPr>
-        </p:nvSpPr>
-        <p:spPr/>
-        <p:txBody>
-          <a:bodyPr/>
-          <a:lstStyle/>
-          <a:p>
-            <a:fld id="{B82CCC60-E8CD-4174-8B1A-7DF615B22EEF}" type="slidenum">
-              <a:rPr lang="en-US" smtClean="0"/>
-              <a:pPr/>
-              <a:t>‹#›</a:t>
-            </a:fld>
-            <a:endParaRPr lang="en-US"/>
-          </a:p>
-        </p:txBody>
-      </p:sp>
-    </p:spTree>
-    <p:extLst>
-      <p:ext uri="{BB962C8B-B14F-4D97-AF65-F5344CB8AC3E}">
-        <p14:creationId xmlns:p14="http://schemas.microsoft.com/office/powerpoint/2010/main" val="477607843"/>
-      </p:ext>
-    </p:extLst>
-  </p:cSld>
-  <p:clrMapOvr>
-    <a:masterClrMapping/>
-  </p:clrMapOvr>
-</p:sldLayout>
-</file>
-
-<file path=ppt/slideLayouts/slideLayout11.xml><?xml version="1.0" encoding="utf-8"?>
 <p:sldLayout xmlns:a="http://schemas.openxmlformats.org/drawingml/2006/main" xmlns:r="http://schemas.openxmlformats.org/officeDocument/2006/relationships" xmlns:p="http://schemas.openxmlformats.org/presentationml/2006/main" type="vertTx" preserve="1">
   <p:cSld name="Title and Vertical Text">
     <p:spTree>
@@ -1137,9 +796,10 @@
           <a:lstStyle/>
           <a:p>
             <a:r>
-              <a:rPr lang="en-US"/>
+              <a:rPr lang="en-US" smtClean="0"/>
               <a:t>Click to edit Master title style</a:t>
             </a:r>
+            <a:endParaRPr lang="en-GB"/>
           </a:p>
         </p:txBody>
       </p:sp>
@@ -1160,37 +820,38 @@
           <a:p>
             <a:pPr lvl="0"/>
             <a:r>
-              <a:rPr lang="en-US"/>
-              <a:t>Click to edit Master text styles</a:t>
+              <a:rPr lang="en-US" smtClean="0"/>
+              <a:t>Edit Master text styles</a:t>
             </a:r>
           </a:p>
           <a:p>
             <a:pPr lvl="1"/>
             <a:r>
-              <a:rPr lang="en-US"/>
+              <a:rPr lang="en-US" smtClean="0"/>
               <a:t>Second level</a:t>
             </a:r>
           </a:p>
           <a:p>
             <a:pPr lvl="2"/>
             <a:r>
-              <a:rPr lang="en-US"/>
+              <a:rPr lang="en-US" smtClean="0"/>
               <a:t>Third level</a:t>
             </a:r>
           </a:p>
           <a:p>
             <a:pPr lvl="3"/>
             <a:r>
-              <a:rPr lang="en-US"/>
+              <a:rPr lang="en-US" smtClean="0"/>
               <a:t>Fourth level</a:t>
             </a:r>
           </a:p>
           <a:p>
             <a:pPr lvl="4"/>
             <a:r>
-              <a:rPr lang="en-US"/>
+              <a:rPr lang="en-US" smtClean="0"/>
               <a:t>Fifth level</a:t>
             </a:r>
+            <a:endParaRPr lang="en-GB"/>
           </a:p>
         </p:txBody>
       </p:sp>
@@ -1264,7 +925,7 @@
     </p:spTree>
     <p:extLst>
       <p:ext uri="{BB962C8B-B14F-4D97-AF65-F5344CB8AC3E}">
-        <p14:creationId xmlns:p14="http://schemas.microsoft.com/office/powerpoint/2010/main" val="3428665726"/>
+        <p14:creationId xmlns:p14="http://schemas.microsoft.com/office/powerpoint/2010/main" val="1417371562"/>
       </p:ext>
     </p:extLst>
   </p:cSld>
@@ -1274,7 +935,7 @@
 </p:sldLayout>
 </file>
 
-<file path=ppt/slideLayouts/slideLayout12.xml><?xml version="1.0" encoding="utf-8"?>
+<file path=ppt/slideLayouts/slideLayout11.xml><?xml version="1.0" encoding="utf-8"?>
 <p:sldLayout xmlns:a="http://schemas.openxmlformats.org/drawingml/2006/main" xmlns:r="http://schemas.openxmlformats.org/officeDocument/2006/relationships" xmlns:p="http://schemas.openxmlformats.org/presentationml/2006/main" type="vertTitleAndTx" preserve="1">
   <p:cSld name="Vertical Title and Text">
     <p:spTree>
@@ -1303,8 +964,8 @@
         </p:nvSpPr>
         <p:spPr>
           <a:xfrm>
-            <a:off x="6629400" y="205979"/>
-            <a:ext cx="2057400" cy="4388644"/>
+            <a:off x="6543675" y="273844"/>
+            <a:ext cx="1971675" cy="4358879"/>
           </a:xfrm>
         </p:spPr>
         <p:txBody>
@@ -1312,9 +973,10 @@
           <a:lstStyle/>
           <a:p>
             <a:r>
-              <a:rPr lang="en-US"/>
+              <a:rPr lang="en-US" smtClean="0"/>
               <a:t>Click to edit Master title style</a:t>
             </a:r>
+            <a:endParaRPr lang="en-GB"/>
           </a:p>
         </p:txBody>
       </p:sp>
@@ -1330,8 +992,8 @@
         </p:nvSpPr>
         <p:spPr>
           <a:xfrm>
-            <a:off x="457200" y="205979"/>
-            <a:ext cx="6019800" cy="4388644"/>
+            <a:off x="628650" y="273844"/>
+            <a:ext cx="5800725" cy="4358879"/>
           </a:xfrm>
         </p:spPr>
         <p:txBody>
@@ -1340,37 +1002,38 @@
           <a:p>
             <a:pPr lvl="0"/>
             <a:r>
-              <a:rPr lang="en-US"/>
-              <a:t>Click to edit Master text styles</a:t>
+              <a:rPr lang="en-US" smtClean="0"/>
+              <a:t>Edit Master text styles</a:t>
             </a:r>
           </a:p>
           <a:p>
             <a:pPr lvl="1"/>
             <a:r>
-              <a:rPr lang="en-US"/>
+              <a:rPr lang="en-US" smtClean="0"/>
               <a:t>Second level</a:t>
             </a:r>
           </a:p>
           <a:p>
             <a:pPr lvl="2"/>
             <a:r>
-              <a:rPr lang="en-US"/>
+              <a:rPr lang="en-US" smtClean="0"/>
               <a:t>Third level</a:t>
             </a:r>
           </a:p>
           <a:p>
             <a:pPr lvl="3"/>
             <a:r>
-              <a:rPr lang="en-US"/>
+              <a:rPr lang="en-US" smtClean="0"/>
               <a:t>Fourth level</a:t>
             </a:r>
           </a:p>
           <a:p>
             <a:pPr lvl="4"/>
             <a:r>
-              <a:rPr lang="en-US"/>
+              <a:rPr lang="en-US" smtClean="0"/>
               <a:t>Fifth level</a:t>
             </a:r>
+            <a:endParaRPr lang="en-GB"/>
           </a:p>
         </p:txBody>
       </p:sp>
@@ -1493,7 +1156,7 @@
     </p:spTree>
     <p:extLst>
       <p:ext uri="{BB962C8B-B14F-4D97-AF65-F5344CB8AC3E}">
-        <p14:creationId xmlns:p14="http://schemas.microsoft.com/office/powerpoint/2010/main" val="893609949"/>
+        <p14:creationId xmlns:p14="http://schemas.microsoft.com/office/powerpoint/2010/main" val="548401639"/>
       </p:ext>
     </p:extLst>
   </p:cSld>
@@ -1530,37 +1193,16 @@
             <p:ph type="title"/>
           </p:nvPr>
         </p:nvSpPr>
-        <p:spPr>
-          <a:xfrm>
-            <a:off x="448965" y="281175"/>
-            <a:ext cx="8246070" cy="610820"/>
-          </a:xfrm>
-        </p:spPr>
-        <p:txBody>
-          <a:bodyPr>
-            <a:normAutofit/>
-          </a:bodyPr>
-          <a:lstStyle>
-            <a:lvl1pPr algn="r">
-              <a:defRPr sz="3600" baseline="0">
-                <a:solidFill>
-                  <a:schemeClr val="bg1"/>
-                </a:solidFill>
-                <a:effectLst>
-                  <a:outerShdw blurRad="50800" dist="38100" dir="2700000" algn="tl" rotWithShape="0">
-                    <a:prstClr val="black">
-                      <a:alpha val="40000"/>
-                    </a:prstClr>
-                  </a:outerShdw>
-                </a:effectLst>
-              </a:defRPr>
-            </a:lvl1pPr>
-          </a:lstStyle>
-          <a:p>
-            <a:r>
-              <a:rPr lang="en-US" dirty="0"/>
+        <p:spPr/>
+        <p:txBody>
+          <a:bodyPr/>
+          <a:lstStyle/>
+          <a:p>
+            <a:r>
+              <a:rPr lang="en-US" smtClean="0"/>
               <a:t>Click to edit Master title style</a:t>
             </a:r>
+            <a:endParaRPr lang="en-GB"/>
           </a:p>
         </p:txBody>
       </p:sp>
@@ -1574,85 +1216,45 @@
             <p:ph idx="1"/>
           </p:nvPr>
         </p:nvSpPr>
-        <p:spPr>
-          <a:xfrm>
-            <a:off x="448966" y="1197405"/>
-            <a:ext cx="8246070" cy="3512210"/>
-          </a:xfrm>
-        </p:spPr>
+        <p:spPr/>
         <p:txBody>
           <a:bodyPr/>
-          <a:lstStyle>
-            <a:lvl1pPr algn="l">
-              <a:defRPr sz="2800">
-                <a:solidFill>
-                  <a:srgbClr val="002060"/>
-                </a:solidFill>
-              </a:defRPr>
-            </a:lvl1pPr>
-            <a:lvl2pPr algn="l">
-              <a:defRPr>
-                <a:solidFill>
-                  <a:srgbClr val="002060"/>
-                </a:solidFill>
-              </a:defRPr>
-            </a:lvl2pPr>
-            <a:lvl3pPr algn="l">
-              <a:defRPr>
-                <a:solidFill>
-                  <a:srgbClr val="002060"/>
-                </a:solidFill>
-              </a:defRPr>
-            </a:lvl3pPr>
-            <a:lvl4pPr algn="l">
-              <a:defRPr>
-                <a:solidFill>
-                  <a:srgbClr val="002060"/>
-                </a:solidFill>
-              </a:defRPr>
-            </a:lvl4pPr>
-            <a:lvl5pPr algn="l">
-              <a:defRPr>
-                <a:solidFill>
-                  <a:srgbClr val="002060"/>
-                </a:solidFill>
-              </a:defRPr>
-            </a:lvl5pPr>
-          </a:lstStyle>
+          <a:lstStyle/>
           <a:p>
             <a:pPr lvl="0"/>
             <a:r>
-              <a:rPr lang="en-US" dirty="0"/>
-              <a:t>Click to edit Master text styles</a:t>
+              <a:rPr lang="en-US" smtClean="0"/>
+              <a:t>Edit Master text styles</a:t>
             </a:r>
           </a:p>
           <a:p>
             <a:pPr lvl="1"/>
             <a:r>
-              <a:rPr lang="en-US" dirty="0"/>
+              <a:rPr lang="en-US" smtClean="0"/>
               <a:t>Second level</a:t>
             </a:r>
           </a:p>
           <a:p>
             <a:pPr lvl="2"/>
             <a:r>
-              <a:rPr lang="en-US" dirty="0"/>
+              <a:rPr lang="en-US" smtClean="0"/>
               <a:t>Third level</a:t>
             </a:r>
           </a:p>
           <a:p>
             <a:pPr lvl="3"/>
             <a:r>
-              <a:rPr lang="en-US" dirty="0"/>
+              <a:rPr lang="en-US" smtClean="0"/>
               <a:t>Fourth level</a:t>
             </a:r>
           </a:p>
           <a:p>
             <a:pPr lvl="4"/>
             <a:r>
-              <a:rPr lang="en-US" dirty="0"/>
+              <a:rPr lang="en-US" smtClean="0"/>
               <a:t>Fifth level</a:t>
             </a:r>
+            <a:endParaRPr lang="en-GB"/>
           </a:p>
         </p:txBody>
       </p:sp>
@@ -1726,7 +1328,7 @@
     </p:spTree>
     <p:extLst>
       <p:ext uri="{BB962C8B-B14F-4D97-AF65-F5344CB8AC3E}">
-        <p14:creationId xmlns:p14="http://schemas.microsoft.com/office/powerpoint/2010/main" val="1664471362"/>
+        <p14:creationId xmlns:p14="http://schemas.microsoft.com/office/powerpoint/2010/main" val="358634149"/>
       </p:ext>
     </p:extLst>
   </p:cSld>
@@ -1737,253 +1339,6 @@
 </file>
 
 <file path=ppt/slideLayouts/slideLayout3.xml><?xml version="1.0" encoding="utf-8"?>
-<p:sldLayout xmlns:a="http://schemas.openxmlformats.org/drawingml/2006/main" xmlns:r="http://schemas.openxmlformats.org/officeDocument/2006/relationships" xmlns:p="http://schemas.openxmlformats.org/presentationml/2006/main" type="obj" preserve="1">
-  <p:cSld name="1_Title and Content">
-    <p:bg>
-      <p:bgPr>
-        <a:blipFill dpi="0" rotWithShape="1">
-          <a:blip r:embed="rId2">
-            <a:lum/>
-          </a:blip>
-          <a:srcRect/>
-          <a:stretch>
-            <a:fillRect/>
-          </a:stretch>
-        </a:blipFill>
-        <a:effectLst/>
-      </p:bgPr>
-    </p:bg>
-    <p:spTree>
-      <p:nvGrpSpPr>
-        <p:cNvPr id="1" name=""/>
-        <p:cNvGrpSpPr/>
-        <p:nvPr/>
-      </p:nvGrpSpPr>
-      <p:grpSpPr>
-        <a:xfrm>
-          <a:off x="0" y="0"/>
-          <a:ext cx="0" cy="0"/>
-          <a:chOff x="0" y="0"/>
-          <a:chExt cx="0" cy="0"/>
-        </a:xfrm>
-      </p:grpSpPr>
-      <p:sp>
-        <p:nvSpPr>
-          <p:cNvPr id="2" name="Title 1"/>
-          <p:cNvSpPr>
-            <a:spLocks noGrp="1"/>
-          </p:cNvSpPr>
-          <p:nvPr>
-            <p:ph type="title"/>
-          </p:nvPr>
-        </p:nvSpPr>
-        <p:spPr>
-          <a:xfrm>
-            <a:off x="2434130" y="433880"/>
-            <a:ext cx="6260905" cy="572644"/>
-          </a:xfrm>
-        </p:spPr>
-        <p:txBody>
-          <a:bodyPr>
-            <a:normAutofit/>
-          </a:bodyPr>
-          <a:lstStyle>
-            <a:lvl1pPr algn="l">
-              <a:defRPr sz="3600">
-                <a:solidFill>
-                  <a:srgbClr val="0070C0"/>
-                </a:solidFill>
-                <a:effectLst>
-                  <a:outerShdw blurRad="50800" dist="38100" dir="2700000" algn="tl" rotWithShape="0">
-                    <a:prstClr val="black">
-                      <a:alpha val="40000"/>
-                    </a:prstClr>
-                  </a:outerShdw>
-                </a:effectLst>
-              </a:defRPr>
-            </a:lvl1pPr>
-          </a:lstStyle>
-          <a:p>
-            <a:r>
-              <a:rPr lang="en-US" dirty="0"/>
-              <a:t>Click to edit Master title style</a:t>
-            </a:r>
-          </a:p>
-        </p:txBody>
-      </p:sp>
-      <p:sp>
-        <p:nvSpPr>
-          <p:cNvPr id="3" name="Content Placeholder 2"/>
-          <p:cNvSpPr>
-            <a:spLocks noGrp="1"/>
-          </p:cNvSpPr>
-          <p:nvPr>
-            <p:ph idx="1"/>
-          </p:nvPr>
-        </p:nvSpPr>
-        <p:spPr>
-          <a:xfrm>
-            <a:off x="2434130" y="1197406"/>
-            <a:ext cx="6260905" cy="3358356"/>
-          </a:xfrm>
-        </p:spPr>
-        <p:txBody>
-          <a:bodyPr/>
-          <a:lstStyle>
-            <a:lvl1pPr>
-              <a:defRPr sz="2800">
-                <a:solidFill>
-                  <a:srgbClr val="002060"/>
-                </a:solidFill>
-              </a:defRPr>
-            </a:lvl1pPr>
-            <a:lvl2pPr>
-              <a:defRPr>
-                <a:solidFill>
-                  <a:srgbClr val="002060"/>
-                </a:solidFill>
-              </a:defRPr>
-            </a:lvl2pPr>
-            <a:lvl3pPr>
-              <a:defRPr>
-                <a:solidFill>
-                  <a:srgbClr val="002060"/>
-                </a:solidFill>
-              </a:defRPr>
-            </a:lvl3pPr>
-            <a:lvl4pPr>
-              <a:defRPr>
-                <a:solidFill>
-                  <a:srgbClr val="002060"/>
-                </a:solidFill>
-              </a:defRPr>
-            </a:lvl4pPr>
-            <a:lvl5pPr>
-              <a:defRPr>
-                <a:solidFill>
-                  <a:srgbClr val="002060"/>
-                </a:solidFill>
-              </a:defRPr>
-            </a:lvl5pPr>
-          </a:lstStyle>
-          <a:p>
-            <a:pPr lvl="0"/>
-            <a:r>
-              <a:rPr lang="en-US" dirty="0"/>
-              <a:t>Click to edit Master text styles</a:t>
-            </a:r>
-          </a:p>
-          <a:p>
-            <a:pPr lvl="1"/>
-            <a:r>
-              <a:rPr lang="en-US" dirty="0"/>
-              <a:t>Second level</a:t>
-            </a:r>
-          </a:p>
-          <a:p>
-            <a:pPr lvl="2"/>
-            <a:r>
-              <a:rPr lang="en-US" dirty="0"/>
-              <a:t>Third level</a:t>
-            </a:r>
-          </a:p>
-          <a:p>
-            <a:pPr lvl="3"/>
-            <a:r>
-              <a:rPr lang="en-US" dirty="0"/>
-              <a:t>Fourth level</a:t>
-            </a:r>
-          </a:p>
-          <a:p>
-            <a:pPr lvl="4"/>
-            <a:r>
-              <a:rPr lang="en-US" dirty="0"/>
-              <a:t>Fifth level</a:t>
-            </a:r>
-          </a:p>
-        </p:txBody>
-      </p:sp>
-      <p:sp>
-        <p:nvSpPr>
-          <p:cNvPr id="4" name="Date Placeholder 3"/>
-          <p:cNvSpPr>
-            <a:spLocks noGrp="1"/>
-          </p:cNvSpPr>
-          <p:nvPr>
-            <p:ph type="dt" sz="half" idx="10"/>
-          </p:nvPr>
-        </p:nvSpPr>
-        <p:spPr/>
-        <p:txBody>
-          <a:bodyPr/>
-          <a:lstStyle/>
-          <a:p>
-            <a:fld id="{53074F12-AA26-4AC8-9962-C36BB8F32554}" type="datetimeFigureOut">
-              <a:rPr lang="en-US" smtClean="0"/>
-              <a:pPr/>
-              <a:t>8/3/2018</a:t>
-            </a:fld>
-            <a:endParaRPr lang="en-US"/>
-          </a:p>
-        </p:txBody>
-      </p:sp>
-      <p:sp>
-        <p:nvSpPr>
-          <p:cNvPr id="5" name="Footer Placeholder 4"/>
-          <p:cNvSpPr>
-            <a:spLocks noGrp="1"/>
-          </p:cNvSpPr>
-          <p:nvPr>
-            <p:ph type="ftr" sz="quarter" idx="11"/>
-          </p:nvPr>
-        </p:nvSpPr>
-        <p:spPr/>
-        <p:txBody>
-          <a:bodyPr/>
-          <a:lstStyle/>
-          <a:p>
-            <a:endParaRPr lang="en-US" dirty="0"/>
-          </a:p>
-        </p:txBody>
-      </p:sp>
-      <p:sp>
-        <p:nvSpPr>
-          <p:cNvPr id="6" name="Slide Number Placeholder 5"/>
-          <p:cNvSpPr>
-            <a:spLocks noGrp="1"/>
-          </p:cNvSpPr>
-          <p:nvPr>
-            <p:ph type="sldNum" sz="quarter" idx="12"/>
-          </p:nvPr>
-        </p:nvSpPr>
-        <p:spPr/>
-        <p:txBody>
-          <a:bodyPr/>
-          <a:lstStyle/>
-          <a:p>
-            <a:fld id="{B82CCC60-E8CD-4174-8B1A-7DF615B22EEF}" type="slidenum">
-              <a:rPr lang="en-US" smtClean="0"/>
-              <a:pPr/>
-              <a:t>‹#›</a:t>
-            </a:fld>
-            <a:endParaRPr lang="en-US"/>
-          </a:p>
-        </p:txBody>
-      </p:sp>
-    </p:spTree>
-    <p:extLst>
-      <p:ext uri="{BB962C8B-B14F-4D97-AF65-F5344CB8AC3E}">
-        <p14:creationId xmlns:p14="http://schemas.microsoft.com/office/powerpoint/2010/main" val="1629391393"/>
-      </p:ext>
-    </p:extLst>
-  </p:cSld>
-  <p:clrMapOvr>
-    <a:masterClrMapping/>
-  </p:clrMapOvr>
-</p:sldLayout>
-</file>
-
-<file path=ppt/slideLayouts/slideLayout4.xml><?xml version="1.0" encoding="utf-8"?>
 <p:sldLayout xmlns:a="http://schemas.openxmlformats.org/drawingml/2006/main" xmlns:r="http://schemas.openxmlformats.org/officeDocument/2006/relationships" xmlns:p="http://schemas.openxmlformats.org/presentationml/2006/main" type="secHead" preserve="1">
   <p:cSld name="Section Header">
     <p:spTree>
@@ -2012,22 +1367,23 @@
         </p:nvSpPr>
         <p:spPr>
           <a:xfrm>
-            <a:off x="722313" y="3305176"/>
-            <a:ext cx="7772400" cy="1021556"/>
-          </a:xfrm>
-        </p:spPr>
-        <p:txBody>
-          <a:bodyPr anchor="t"/>
+            <a:off x="623888" y="1282304"/>
+            <a:ext cx="7886700" cy="2139553"/>
+          </a:xfrm>
+        </p:spPr>
+        <p:txBody>
+          <a:bodyPr anchor="b"/>
           <a:lstStyle>
-            <a:lvl1pPr algn="l">
-              <a:defRPr sz="4000" b="1" cap="all"/>
+            <a:lvl1pPr>
+              <a:defRPr sz="4500"/>
             </a:lvl1pPr>
           </a:lstStyle>
           <a:p>
             <a:r>
-              <a:rPr lang="en-US"/>
+              <a:rPr lang="en-US" smtClean="0"/>
               <a:t>Click to edit Master title style</a:t>
             </a:r>
+            <a:endParaRPr lang="en-GB"/>
           </a:p>
         </p:txBody>
       </p:sp>
@@ -2043,16 +1399,16 @@
         </p:nvSpPr>
         <p:spPr>
           <a:xfrm>
-            <a:off x="722313" y="2180035"/>
-            <a:ext cx="7772400" cy="1125140"/>
-          </a:xfrm>
-        </p:spPr>
-        <p:txBody>
-          <a:bodyPr anchor="b"/>
+            <a:off x="623888" y="3442098"/>
+            <a:ext cx="7886700" cy="1125140"/>
+          </a:xfrm>
+        </p:spPr>
+        <p:txBody>
+          <a:bodyPr/>
           <a:lstStyle>
             <a:lvl1pPr marL="0" indent="0">
               <a:buNone/>
-              <a:defRPr sz="2000">
+              <a:defRPr sz="1800">
                 <a:solidFill>
                   <a:schemeClr val="tx1">
                     <a:tint val="75000"/>
@@ -2060,9 +1416,9 @@
                 </a:solidFill>
               </a:defRPr>
             </a:lvl1pPr>
-            <a:lvl2pPr marL="457200" indent="0">
-              <a:buNone/>
-              <a:defRPr sz="1800">
+            <a:lvl2pPr marL="342900" indent="0">
+              <a:buNone/>
+              <a:defRPr sz="1500">
                 <a:solidFill>
                   <a:schemeClr val="tx1">
                     <a:tint val="75000"/>
@@ -2070,9 +1426,9 @@
                 </a:solidFill>
               </a:defRPr>
             </a:lvl2pPr>
-            <a:lvl3pPr marL="914400" indent="0">
-              <a:buNone/>
-              <a:defRPr sz="1600">
+            <a:lvl3pPr marL="685800" indent="0">
+              <a:buNone/>
+              <a:defRPr sz="1350">
                 <a:solidFill>
                   <a:schemeClr val="tx1">
                     <a:tint val="75000"/>
@@ -2080,9 +1436,9 @@
                 </a:solidFill>
               </a:defRPr>
             </a:lvl3pPr>
-            <a:lvl4pPr marL="1371600" indent="0">
-              <a:buNone/>
-              <a:defRPr sz="1400">
+            <a:lvl4pPr marL="1028700" indent="0">
+              <a:buNone/>
+              <a:defRPr sz="1200">
                 <a:solidFill>
                   <a:schemeClr val="tx1">
                     <a:tint val="75000"/>
@@ -2090,9 +1446,9 @@
                 </a:solidFill>
               </a:defRPr>
             </a:lvl4pPr>
-            <a:lvl5pPr marL="1828800" indent="0">
-              <a:buNone/>
-              <a:defRPr sz="1400">
+            <a:lvl5pPr marL="1371600" indent="0">
+              <a:buNone/>
+              <a:defRPr sz="1200">
                 <a:solidFill>
                   <a:schemeClr val="tx1">
                     <a:tint val="75000"/>
@@ -2100,9 +1456,9 @@
                 </a:solidFill>
               </a:defRPr>
             </a:lvl5pPr>
-            <a:lvl6pPr marL="2286000" indent="0">
-              <a:buNone/>
-              <a:defRPr sz="1400">
+            <a:lvl6pPr marL="1714500" indent="0">
+              <a:buNone/>
+              <a:defRPr sz="1200">
                 <a:solidFill>
                   <a:schemeClr val="tx1">
                     <a:tint val="75000"/>
@@ -2110,9 +1466,9 @@
                 </a:solidFill>
               </a:defRPr>
             </a:lvl6pPr>
-            <a:lvl7pPr marL="2743200" indent="0">
-              <a:buNone/>
-              <a:defRPr sz="1400">
+            <a:lvl7pPr marL="2057400" indent="0">
+              <a:buNone/>
+              <a:defRPr sz="1200">
                 <a:solidFill>
                   <a:schemeClr val="tx1">
                     <a:tint val="75000"/>
@@ -2120,9 +1476,9 @@
                 </a:solidFill>
               </a:defRPr>
             </a:lvl7pPr>
-            <a:lvl8pPr marL="3200400" indent="0">
-              <a:buNone/>
-              <a:defRPr sz="1400">
+            <a:lvl8pPr marL="2400300" indent="0">
+              <a:buNone/>
+              <a:defRPr sz="1200">
                 <a:solidFill>
                   <a:schemeClr val="tx1">
                     <a:tint val="75000"/>
@@ -2130,9 +1486,9 @@
                 </a:solidFill>
               </a:defRPr>
             </a:lvl8pPr>
-            <a:lvl9pPr marL="3657600" indent="0">
-              <a:buNone/>
-              <a:defRPr sz="1400">
+            <a:lvl9pPr marL="2743200" indent="0">
+              <a:buNone/>
+              <a:defRPr sz="1200">
                 <a:solidFill>
                   <a:schemeClr val="tx1">
                     <a:tint val="75000"/>
@@ -2144,8 +1500,8 @@
           <a:p>
             <a:pPr lvl="0"/>
             <a:r>
-              <a:rPr lang="en-US"/>
-              <a:t>Click to edit Master text styles</a:t>
+              <a:rPr lang="en-US" smtClean="0"/>
+              <a:t>Edit Master text styles</a:t>
             </a:r>
           </a:p>
         </p:txBody>
@@ -2220,7 +1576,7 @@
     </p:spTree>
     <p:extLst>
       <p:ext uri="{BB962C8B-B14F-4D97-AF65-F5344CB8AC3E}">
-        <p14:creationId xmlns:p14="http://schemas.microsoft.com/office/powerpoint/2010/main" val="3863441575"/>
+        <p14:creationId xmlns:p14="http://schemas.microsoft.com/office/powerpoint/2010/main" val="1070189240"/>
       </p:ext>
     </p:extLst>
   </p:cSld>
@@ -2230,7 +1586,7 @@
 </p:sldLayout>
 </file>
 
-<file path=ppt/slideLayouts/slideLayout5.xml><?xml version="1.0" encoding="utf-8"?>
+<file path=ppt/slideLayouts/slideLayout4.xml><?xml version="1.0" encoding="utf-8"?>
 <p:sldLayout xmlns:a="http://schemas.openxmlformats.org/drawingml/2006/main" xmlns:r="http://schemas.openxmlformats.org/officeDocument/2006/relationships" xmlns:p="http://schemas.openxmlformats.org/presentationml/2006/main" type="twoObj" preserve="1">
   <p:cSld name="Two Content">
     <p:spTree>
@@ -2263,9 +1619,10 @@
           <a:lstStyle/>
           <a:p>
             <a:r>
-              <a:rPr lang="en-US"/>
+              <a:rPr lang="en-US" smtClean="0"/>
               <a:t>Click to edit Master title style</a:t>
             </a:r>
+            <a:endParaRPr lang="en-GB"/>
           </a:p>
         </p:txBody>
       </p:sp>
@@ -2281,75 +1638,48 @@
         </p:nvSpPr>
         <p:spPr>
           <a:xfrm>
-            <a:off x="457200" y="1200151"/>
-            <a:ext cx="4038600" cy="3394472"/>
+            <a:off x="628650" y="1369219"/>
+            <a:ext cx="3886200" cy="3263504"/>
           </a:xfrm>
         </p:spPr>
         <p:txBody>
           <a:bodyPr/>
-          <a:lstStyle>
-            <a:lvl1pPr>
-              <a:defRPr sz="2800"/>
-            </a:lvl1pPr>
-            <a:lvl2pPr>
-              <a:defRPr sz="2400"/>
-            </a:lvl2pPr>
-            <a:lvl3pPr>
-              <a:defRPr sz="2000"/>
-            </a:lvl3pPr>
-            <a:lvl4pPr>
-              <a:defRPr sz="1800"/>
-            </a:lvl4pPr>
-            <a:lvl5pPr>
-              <a:defRPr sz="1800"/>
-            </a:lvl5pPr>
-            <a:lvl6pPr>
-              <a:defRPr sz="1800"/>
-            </a:lvl6pPr>
-            <a:lvl7pPr>
-              <a:defRPr sz="1800"/>
-            </a:lvl7pPr>
-            <a:lvl8pPr>
-              <a:defRPr sz="1800"/>
-            </a:lvl8pPr>
-            <a:lvl9pPr>
-              <a:defRPr sz="1800"/>
-            </a:lvl9pPr>
-          </a:lstStyle>
+          <a:lstStyle/>
           <a:p>
             <a:pPr lvl="0"/>
             <a:r>
-              <a:rPr lang="en-US"/>
-              <a:t>Click to edit Master text styles</a:t>
+              <a:rPr lang="en-US" smtClean="0"/>
+              <a:t>Edit Master text styles</a:t>
             </a:r>
           </a:p>
           <a:p>
             <a:pPr lvl="1"/>
             <a:r>
-              <a:rPr lang="en-US"/>
+              <a:rPr lang="en-US" smtClean="0"/>
               <a:t>Second level</a:t>
             </a:r>
           </a:p>
           <a:p>
             <a:pPr lvl="2"/>
             <a:r>
-              <a:rPr lang="en-US"/>
+              <a:rPr lang="en-US" smtClean="0"/>
               <a:t>Third level</a:t>
             </a:r>
           </a:p>
           <a:p>
             <a:pPr lvl="3"/>
             <a:r>
-              <a:rPr lang="en-US"/>
+              <a:rPr lang="en-US" smtClean="0"/>
               <a:t>Fourth level</a:t>
             </a:r>
           </a:p>
           <a:p>
             <a:pPr lvl="4"/>
             <a:r>
-              <a:rPr lang="en-US"/>
+              <a:rPr lang="en-US" smtClean="0"/>
               <a:t>Fifth level</a:t>
             </a:r>
+            <a:endParaRPr lang="en-GB"/>
           </a:p>
         </p:txBody>
       </p:sp>
@@ -2365,75 +1695,48 @@
         </p:nvSpPr>
         <p:spPr>
           <a:xfrm>
-            <a:off x="4648200" y="1200151"/>
-            <a:ext cx="4038600" cy="3394472"/>
+            <a:off x="4629150" y="1369219"/>
+            <a:ext cx="3886200" cy="3263504"/>
           </a:xfrm>
         </p:spPr>
         <p:txBody>
           <a:bodyPr/>
-          <a:lstStyle>
-            <a:lvl1pPr>
-              <a:defRPr sz="2800"/>
-            </a:lvl1pPr>
-            <a:lvl2pPr>
-              <a:defRPr sz="2400"/>
-            </a:lvl2pPr>
-            <a:lvl3pPr>
-              <a:defRPr sz="2000"/>
-            </a:lvl3pPr>
-            <a:lvl4pPr>
-              <a:defRPr sz="1800"/>
-            </a:lvl4pPr>
-            <a:lvl5pPr>
-              <a:defRPr sz="1800"/>
-            </a:lvl5pPr>
-            <a:lvl6pPr>
-              <a:defRPr sz="1800"/>
-            </a:lvl6pPr>
-            <a:lvl7pPr>
-              <a:defRPr sz="1800"/>
-            </a:lvl7pPr>
-            <a:lvl8pPr>
-              <a:defRPr sz="1800"/>
-            </a:lvl8pPr>
-            <a:lvl9pPr>
-              <a:defRPr sz="1800"/>
-            </a:lvl9pPr>
-          </a:lstStyle>
+          <a:lstStyle/>
           <a:p>
             <a:pPr lvl="0"/>
             <a:r>
-              <a:rPr lang="en-US"/>
-              <a:t>Click to edit Master text styles</a:t>
+              <a:rPr lang="en-US" smtClean="0"/>
+              <a:t>Edit Master text styles</a:t>
             </a:r>
           </a:p>
           <a:p>
             <a:pPr lvl="1"/>
             <a:r>
-              <a:rPr lang="en-US"/>
+              <a:rPr lang="en-US" smtClean="0"/>
               <a:t>Second level</a:t>
             </a:r>
           </a:p>
           <a:p>
             <a:pPr lvl="2"/>
             <a:r>
-              <a:rPr lang="en-US"/>
+              <a:rPr lang="en-US" smtClean="0"/>
               <a:t>Third level</a:t>
             </a:r>
           </a:p>
           <a:p>
             <a:pPr lvl="3"/>
             <a:r>
-              <a:rPr lang="en-US"/>
+              <a:rPr lang="en-US" smtClean="0"/>
               <a:t>Fourth level</a:t>
             </a:r>
           </a:p>
           <a:p>
             <a:pPr lvl="4"/>
             <a:r>
-              <a:rPr lang="en-US"/>
+              <a:rPr lang="en-US" smtClean="0"/>
               <a:t>Fifth level</a:t>
             </a:r>
+            <a:endParaRPr lang="en-GB"/>
           </a:p>
         </p:txBody>
       </p:sp>
@@ -2507,7 +1810,7 @@
     </p:spTree>
     <p:extLst>
       <p:ext uri="{BB962C8B-B14F-4D97-AF65-F5344CB8AC3E}">
-        <p14:creationId xmlns:p14="http://schemas.microsoft.com/office/powerpoint/2010/main" val="3556791830"/>
+        <p14:creationId xmlns:p14="http://schemas.microsoft.com/office/powerpoint/2010/main" val="591684698"/>
       </p:ext>
     </p:extLst>
   </p:cSld>
@@ -2517,7 +1820,7 @@
 </p:sldLayout>
 </file>
 
-<file path=ppt/slideLayouts/slideLayout6.xml><?xml version="1.0" encoding="utf-8"?>
+<file path=ppt/slideLayouts/slideLayout5.xml><?xml version="1.0" encoding="utf-8"?>
 <p:sldLayout xmlns:a="http://schemas.openxmlformats.org/drawingml/2006/main" xmlns:r="http://schemas.openxmlformats.org/officeDocument/2006/relationships" xmlns:p="http://schemas.openxmlformats.org/presentationml/2006/main" type="twoTxTwoObj" preserve="1">
   <p:cSld name="Comparison">
     <p:spTree>
@@ -2546,35 +1849,19 @@
         </p:nvSpPr>
         <p:spPr>
           <a:xfrm>
-            <a:off x="448964" y="281175"/>
-            <a:ext cx="8246071" cy="610820"/>
-          </a:xfrm>
-        </p:spPr>
-        <p:txBody>
-          <a:bodyPr>
-            <a:normAutofit/>
-          </a:bodyPr>
-          <a:lstStyle>
-            <a:lvl1pPr algn="r">
-              <a:defRPr sz="3600" baseline="0">
-                <a:solidFill>
-                  <a:schemeClr val="bg1"/>
-                </a:solidFill>
-                <a:effectLst>
-                  <a:outerShdw blurRad="50800" dist="38100" dir="2700000" algn="tl" rotWithShape="0">
-                    <a:prstClr val="black">
-                      <a:alpha val="40000"/>
-                    </a:prstClr>
-                  </a:outerShdw>
-                </a:effectLst>
-              </a:defRPr>
-            </a:lvl1pPr>
-          </a:lstStyle>
-          <a:p>
-            <a:r>
-              <a:rPr lang="en-US" dirty="0"/>
+            <a:off x="629841" y="273844"/>
+            <a:ext cx="7886700" cy="994172"/>
+          </a:xfrm>
+        </p:spPr>
+        <p:txBody>
+          <a:bodyPr/>
+          <a:lstStyle/>
+          <a:p>
+            <a:r>
+              <a:rPr lang="en-US" smtClean="0"/>
               <a:t>Click to edit Master title style</a:t>
             </a:r>
+            <a:endParaRPr lang="en-GB"/>
           </a:p>
         </p:txBody>
       </p:sp>
@@ -2590,59 +1877,55 @@
         </p:nvSpPr>
         <p:spPr>
           <a:xfrm>
-            <a:off x="536879" y="1655520"/>
-            <a:ext cx="4040188" cy="479822"/>
+            <a:off x="629842" y="1260872"/>
+            <a:ext cx="3868340" cy="617934"/>
           </a:xfrm>
         </p:spPr>
         <p:txBody>
           <a:bodyPr anchor="b"/>
           <a:lstStyle>
-            <a:lvl1pPr marL="0" indent="0" algn="ctr">
-              <a:buNone/>
-              <a:defRPr sz="2400" b="1">
-                <a:solidFill>
-                  <a:srgbClr val="002060"/>
-                </a:solidFill>
-              </a:defRPr>
+            <a:lvl1pPr marL="0" indent="0">
+              <a:buNone/>
+              <a:defRPr sz="1800" b="1"/>
             </a:lvl1pPr>
-            <a:lvl2pPr marL="457200" indent="0">
-              <a:buNone/>
-              <a:defRPr sz="2000" b="1"/>
+            <a:lvl2pPr marL="342900" indent="0">
+              <a:buNone/>
+              <a:defRPr sz="1500" b="1"/>
             </a:lvl2pPr>
-            <a:lvl3pPr marL="914400" indent="0">
-              <a:buNone/>
-              <a:defRPr sz="1800" b="1"/>
+            <a:lvl3pPr marL="685800" indent="0">
+              <a:buNone/>
+              <a:defRPr sz="1350" b="1"/>
             </a:lvl3pPr>
-            <a:lvl4pPr marL="1371600" indent="0">
-              <a:buNone/>
-              <a:defRPr sz="1600" b="1"/>
+            <a:lvl4pPr marL="1028700" indent="0">
+              <a:buNone/>
+              <a:defRPr sz="1200" b="1"/>
             </a:lvl4pPr>
-            <a:lvl5pPr marL="1828800" indent="0">
-              <a:buNone/>
-              <a:defRPr sz="1600" b="1"/>
+            <a:lvl5pPr marL="1371600" indent="0">
+              <a:buNone/>
+              <a:defRPr sz="1200" b="1"/>
             </a:lvl5pPr>
-            <a:lvl6pPr marL="2286000" indent="0">
-              <a:buNone/>
-              <a:defRPr sz="1600" b="1"/>
+            <a:lvl6pPr marL="1714500" indent="0">
+              <a:buNone/>
+              <a:defRPr sz="1200" b="1"/>
             </a:lvl6pPr>
-            <a:lvl7pPr marL="2743200" indent="0">
-              <a:buNone/>
-              <a:defRPr sz="1600" b="1"/>
+            <a:lvl7pPr marL="2057400" indent="0">
+              <a:buNone/>
+              <a:defRPr sz="1200" b="1"/>
             </a:lvl7pPr>
-            <a:lvl8pPr marL="3200400" indent="0">
-              <a:buNone/>
-              <a:defRPr sz="1600" b="1"/>
+            <a:lvl8pPr marL="2400300" indent="0">
+              <a:buNone/>
+              <a:defRPr sz="1200" b="1"/>
             </a:lvl8pPr>
-            <a:lvl9pPr marL="3657600" indent="0">
-              <a:buNone/>
-              <a:defRPr sz="1600" b="1"/>
+            <a:lvl9pPr marL="2743200" indent="0">
+              <a:buNone/>
+              <a:defRPr sz="1200" b="1"/>
             </a:lvl9pPr>
           </a:lstStyle>
           <a:p>
             <a:pPr lvl="0"/>
             <a:r>
-              <a:rPr lang="en-US" dirty="0"/>
-              <a:t>Click to edit Master text styles</a:t>
+              <a:rPr lang="en-US" smtClean="0"/>
+              <a:t>Edit Master text styles</a:t>
             </a:r>
           </a:p>
         </p:txBody>
@@ -2659,268 +1942,170 @@
         </p:nvSpPr>
         <p:spPr>
           <a:xfrm>
-            <a:off x="536879" y="2266340"/>
-            <a:ext cx="4040188" cy="2137871"/>
+            <a:off x="629842" y="1878806"/>
+            <a:ext cx="3868340" cy="2763441"/>
           </a:xfrm>
         </p:spPr>
         <p:txBody>
           <a:bodyPr/>
+          <a:lstStyle/>
+          <a:p>
+            <a:pPr lvl="0"/>
+            <a:r>
+              <a:rPr lang="en-US" smtClean="0"/>
+              <a:t>Edit Master text styles</a:t>
+            </a:r>
+          </a:p>
+          <a:p>
+            <a:pPr lvl="1"/>
+            <a:r>
+              <a:rPr lang="en-US" smtClean="0"/>
+              <a:t>Second level</a:t>
+            </a:r>
+          </a:p>
+          <a:p>
+            <a:pPr lvl="2"/>
+            <a:r>
+              <a:rPr lang="en-US" smtClean="0"/>
+              <a:t>Third level</a:t>
+            </a:r>
+          </a:p>
+          <a:p>
+            <a:pPr lvl="3"/>
+            <a:r>
+              <a:rPr lang="en-US" smtClean="0"/>
+              <a:t>Fourth level</a:t>
+            </a:r>
+          </a:p>
+          <a:p>
+            <a:pPr lvl="4"/>
+            <a:r>
+              <a:rPr lang="en-US" smtClean="0"/>
+              <a:t>Fifth level</a:t>
+            </a:r>
+            <a:endParaRPr lang="en-GB"/>
+          </a:p>
+        </p:txBody>
+      </p:sp>
+      <p:sp>
+        <p:nvSpPr>
+          <p:cNvPr id="5" name="Text Placeholder 4"/>
+          <p:cNvSpPr>
+            <a:spLocks noGrp="1"/>
+          </p:cNvSpPr>
+          <p:nvPr>
+            <p:ph type="body" sz="quarter" idx="3"/>
+          </p:nvPr>
+        </p:nvSpPr>
+        <p:spPr>
+          <a:xfrm>
+            <a:off x="4629150" y="1260872"/>
+            <a:ext cx="3887391" cy="617934"/>
+          </a:xfrm>
+        </p:spPr>
+        <p:txBody>
+          <a:bodyPr anchor="b"/>
           <a:lstStyle>
-            <a:lvl1pPr algn="ctr">
-              <a:defRPr sz="2400">
-                <a:solidFill>
-                  <a:srgbClr val="002060"/>
-                </a:solidFill>
-              </a:defRPr>
+            <a:lvl1pPr marL="0" indent="0">
+              <a:buNone/>
+              <a:defRPr sz="1800" b="1"/>
             </a:lvl1pPr>
-            <a:lvl2pPr algn="ctr">
-              <a:defRPr sz="2000">
-                <a:solidFill>
-                  <a:srgbClr val="002060"/>
-                </a:solidFill>
-              </a:defRPr>
+            <a:lvl2pPr marL="342900" indent="0">
+              <a:buNone/>
+              <a:defRPr sz="1500" b="1"/>
             </a:lvl2pPr>
-            <a:lvl3pPr algn="ctr">
-              <a:defRPr sz="1800">
-                <a:solidFill>
-                  <a:srgbClr val="002060"/>
-                </a:solidFill>
-              </a:defRPr>
+            <a:lvl3pPr marL="685800" indent="0">
+              <a:buNone/>
+              <a:defRPr sz="1350" b="1"/>
             </a:lvl3pPr>
-            <a:lvl4pPr algn="ctr">
-              <a:defRPr sz="1600">
-                <a:solidFill>
-                  <a:srgbClr val="002060"/>
-                </a:solidFill>
-              </a:defRPr>
+            <a:lvl4pPr marL="1028700" indent="0">
+              <a:buNone/>
+              <a:defRPr sz="1200" b="1"/>
             </a:lvl4pPr>
-            <a:lvl5pPr algn="ctr">
-              <a:defRPr sz="1600">
-                <a:solidFill>
-                  <a:srgbClr val="002060"/>
-                </a:solidFill>
-              </a:defRPr>
+            <a:lvl5pPr marL="1371600" indent="0">
+              <a:buNone/>
+              <a:defRPr sz="1200" b="1"/>
             </a:lvl5pPr>
-            <a:lvl6pPr>
-              <a:defRPr sz="1600"/>
+            <a:lvl6pPr marL="1714500" indent="0">
+              <a:buNone/>
+              <a:defRPr sz="1200" b="1"/>
             </a:lvl6pPr>
-            <a:lvl7pPr>
-              <a:defRPr sz="1600"/>
+            <a:lvl7pPr marL="2057400" indent="0">
+              <a:buNone/>
+              <a:defRPr sz="1200" b="1"/>
             </a:lvl7pPr>
-            <a:lvl8pPr>
-              <a:defRPr sz="1600"/>
+            <a:lvl8pPr marL="2400300" indent="0">
+              <a:buNone/>
+              <a:defRPr sz="1200" b="1"/>
             </a:lvl8pPr>
-            <a:lvl9pPr>
-              <a:defRPr sz="1600"/>
+            <a:lvl9pPr marL="2743200" indent="0">
+              <a:buNone/>
+              <a:defRPr sz="1200" b="1"/>
             </a:lvl9pPr>
           </a:lstStyle>
           <a:p>
             <a:pPr lvl="0"/>
             <a:r>
-              <a:rPr lang="en-US" dirty="0"/>
-              <a:t>Click to edit Master text styles</a:t>
+              <a:rPr lang="en-US" smtClean="0"/>
+              <a:t>Edit Master text styles</a:t>
+            </a:r>
+          </a:p>
+        </p:txBody>
+      </p:sp>
+      <p:sp>
+        <p:nvSpPr>
+          <p:cNvPr id="6" name="Content Placeholder 5"/>
+          <p:cNvSpPr>
+            <a:spLocks noGrp="1"/>
+          </p:cNvSpPr>
+          <p:nvPr>
+            <p:ph sz="quarter" idx="4"/>
+          </p:nvPr>
+        </p:nvSpPr>
+        <p:spPr>
+          <a:xfrm>
+            <a:off x="4629150" y="1878806"/>
+            <a:ext cx="3887391" cy="2763441"/>
+          </a:xfrm>
+        </p:spPr>
+        <p:txBody>
+          <a:bodyPr/>
+          <a:lstStyle/>
+          <a:p>
+            <a:pPr lvl="0"/>
+            <a:r>
+              <a:rPr lang="en-US" smtClean="0"/>
+              <a:t>Edit Master text styles</a:t>
             </a:r>
           </a:p>
           <a:p>
             <a:pPr lvl="1"/>
             <a:r>
-              <a:rPr lang="en-US" dirty="0"/>
+              <a:rPr lang="en-US" smtClean="0"/>
               <a:t>Second level</a:t>
             </a:r>
           </a:p>
           <a:p>
             <a:pPr lvl="2"/>
             <a:r>
-              <a:rPr lang="en-US" dirty="0"/>
+              <a:rPr lang="en-US" smtClean="0"/>
               <a:t>Third level</a:t>
             </a:r>
           </a:p>
           <a:p>
             <a:pPr lvl="3"/>
             <a:r>
-              <a:rPr lang="en-US" dirty="0"/>
+              <a:rPr lang="en-US" smtClean="0"/>
               <a:t>Fourth level</a:t>
             </a:r>
           </a:p>
           <a:p>
             <a:pPr lvl="4"/>
             <a:r>
-              <a:rPr lang="en-US" dirty="0"/>
+              <a:rPr lang="en-US" smtClean="0"/>
               <a:t>Fifth level</a:t>
             </a:r>
-          </a:p>
-        </p:txBody>
-      </p:sp>
-      <p:sp>
-        <p:nvSpPr>
-          <p:cNvPr id="5" name="Text Placeholder 4"/>
-          <p:cNvSpPr>
-            <a:spLocks noGrp="1"/>
-          </p:cNvSpPr>
-          <p:nvPr>
-            <p:ph type="body" sz="quarter" idx="3"/>
-          </p:nvPr>
-        </p:nvSpPr>
-        <p:spPr>
-          <a:xfrm>
-            <a:off x="4572000" y="1655520"/>
-            <a:ext cx="4041775" cy="479822"/>
-          </a:xfrm>
-        </p:spPr>
-        <p:txBody>
-          <a:bodyPr anchor="b"/>
-          <a:lstStyle>
-            <a:lvl1pPr marL="0" indent="0" algn="ctr">
-              <a:buNone/>
-              <a:defRPr sz="2400" b="1">
-                <a:solidFill>
-                  <a:srgbClr val="002060"/>
-                </a:solidFill>
-              </a:defRPr>
-            </a:lvl1pPr>
-            <a:lvl2pPr marL="457200" indent="0">
-              <a:buNone/>
-              <a:defRPr sz="2000" b="1"/>
-            </a:lvl2pPr>
-            <a:lvl3pPr marL="914400" indent="0">
-              <a:buNone/>
-              <a:defRPr sz="1800" b="1"/>
-            </a:lvl3pPr>
-            <a:lvl4pPr marL="1371600" indent="0">
-              <a:buNone/>
-              <a:defRPr sz="1600" b="1"/>
-            </a:lvl4pPr>
-            <a:lvl5pPr marL="1828800" indent="0">
-              <a:buNone/>
-              <a:defRPr sz="1600" b="1"/>
-            </a:lvl5pPr>
-            <a:lvl6pPr marL="2286000" indent="0">
-              <a:buNone/>
-              <a:defRPr sz="1600" b="1"/>
-            </a:lvl6pPr>
-            <a:lvl7pPr marL="2743200" indent="0">
-              <a:buNone/>
-              <a:defRPr sz="1600" b="1"/>
-            </a:lvl7pPr>
-            <a:lvl8pPr marL="3200400" indent="0">
-              <a:buNone/>
-              <a:defRPr sz="1600" b="1"/>
-            </a:lvl8pPr>
-            <a:lvl9pPr marL="3657600" indent="0">
-              <a:buNone/>
-              <a:defRPr sz="1600" b="1"/>
-            </a:lvl9pPr>
-          </a:lstStyle>
-          <a:p>
-            <a:pPr lvl="0"/>
-            <a:r>
-              <a:rPr lang="en-US" dirty="0"/>
-              <a:t>Click to edit Master text styles</a:t>
-            </a:r>
-          </a:p>
-        </p:txBody>
-      </p:sp>
-      <p:sp>
-        <p:nvSpPr>
-          <p:cNvPr id="6" name="Content Placeholder 5"/>
-          <p:cNvSpPr>
-            <a:spLocks noGrp="1"/>
-          </p:cNvSpPr>
-          <p:nvPr>
-            <p:ph sz="quarter" idx="4"/>
-          </p:nvPr>
-        </p:nvSpPr>
-        <p:spPr>
-          <a:xfrm>
-            <a:off x="4572000" y="2266340"/>
-            <a:ext cx="4041775" cy="2137871"/>
-          </a:xfrm>
-        </p:spPr>
-        <p:txBody>
-          <a:bodyPr/>
-          <a:lstStyle>
-            <a:lvl1pPr algn="ctr">
-              <a:defRPr sz="2400">
-                <a:solidFill>
-                  <a:srgbClr val="002060"/>
-                </a:solidFill>
-              </a:defRPr>
-            </a:lvl1pPr>
-            <a:lvl2pPr algn="ctr">
-              <a:defRPr sz="2000">
-                <a:solidFill>
-                  <a:srgbClr val="002060"/>
-                </a:solidFill>
-              </a:defRPr>
-            </a:lvl2pPr>
-            <a:lvl3pPr algn="ctr">
-              <a:defRPr sz="1800">
-                <a:solidFill>
-                  <a:srgbClr val="002060"/>
-                </a:solidFill>
-              </a:defRPr>
-            </a:lvl3pPr>
-            <a:lvl4pPr algn="ctr">
-              <a:defRPr sz="1600">
-                <a:solidFill>
-                  <a:srgbClr val="002060"/>
-                </a:solidFill>
-              </a:defRPr>
-            </a:lvl4pPr>
-            <a:lvl5pPr algn="ctr">
-              <a:defRPr sz="1600">
-                <a:solidFill>
-                  <a:srgbClr val="002060"/>
-                </a:solidFill>
-              </a:defRPr>
-            </a:lvl5pPr>
-            <a:lvl6pPr>
-              <a:defRPr sz="1600"/>
-            </a:lvl6pPr>
-            <a:lvl7pPr>
-              <a:defRPr sz="1600"/>
-            </a:lvl7pPr>
-            <a:lvl8pPr>
-              <a:defRPr sz="1600"/>
-            </a:lvl8pPr>
-            <a:lvl9pPr>
-              <a:defRPr sz="1600"/>
-            </a:lvl9pPr>
-          </a:lstStyle>
-          <a:p>
-            <a:pPr lvl="0"/>
-            <a:r>
-              <a:rPr lang="en-US" dirty="0"/>
-              <a:t>Click to edit Master text styles</a:t>
-            </a:r>
-          </a:p>
-          <a:p>
-            <a:pPr lvl="1"/>
-            <a:r>
-              <a:rPr lang="en-US" dirty="0"/>
-              <a:t>Second level</a:t>
-            </a:r>
-          </a:p>
-          <a:p>
-            <a:pPr lvl="2"/>
-            <a:r>
-              <a:rPr lang="en-US" dirty="0"/>
-              <a:t>Third level</a:t>
-            </a:r>
-          </a:p>
-          <a:p>
-            <a:pPr lvl="3"/>
-            <a:r>
-              <a:rPr lang="en-US" dirty="0"/>
-              <a:t>Fourth level</a:t>
-            </a:r>
-          </a:p>
-          <a:p>
-            <a:pPr lvl="4"/>
-            <a:r>
-              <a:rPr lang="en-US" dirty="0"/>
-              <a:t>Fifth level</a:t>
-            </a:r>
+            <a:endParaRPr lang="en-GB"/>
           </a:p>
         </p:txBody>
       </p:sp>
@@ -2994,7 +2179,7 @@
     </p:spTree>
     <p:extLst>
       <p:ext uri="{BB962C8B-B14F-4D97-AF65-F5344CB8AC3E}">
-        <p14:creationId xmlns:p14="http://schemas.microsoft.com/office/powerpoint/2010/main" val="4122911988"/>
+        <p14:creationId xmlns:p14="http://schemas.microsoft.com/office/powerpoint/2010/main" val="3122688177"/>
       </p:ext>
     </p:extLst>
   </p:cSld>
@@ -3004,7 +2189,7 @@
 </p:sldLayout>
 </file>
 
-<file path=ppt/slideLayouts/slideLayout7.xml><?xml version="1.0" encoding="utf-8"?>
+<file path=ppt/slideLayouts/slideLayout6.xml><?xml version="1.0" encoding="utf-8"?>
 <p:sldLayout xmlns:a="http://schemas.openxmlformats.org/drawingml/2006/main" xmlns:r="http://schemas.openxmlformats.org/officeDocument/2006/relationships" xmlns:p="http://schemas.openxmlformats.org/presentationml/2006/main" type="titleOnly" preserve="1">
   <p:cSld name="Title Only">
     <p:spTree>
@@ -3037,9 +2222,10 @@
           <a:lstStyle/>
           <a:p>
             <a:r>
-              <a:rPr lang="en-US"/>
+              <a:rPr lang="en-US" smtClean="0"/>
               <a:t>Click to edit Master title style</a:t>
             </a:r>
+            <a:endParaRPr lang="en-GB"/>
           </a:p>
         </p:txBody>
       </p:sp>
@@ -3113,7 +2299,7 @@
     </p:spTree>
     <p:extLst>
       <p:ext uri="{BB962C8B-B14F-4D97-AF65-F5344CB8AC3E}">
-        <p14:creationId xmlns:p14="http://schemas.microsoft.com/office/powerpoint/2010/main" val="3029773110"/>
+        <p14:creationId xmlns:p14="http://schemas.microsoft.com/office/powerpoint/2010/main" val="2926404307"/>
       </p:ext>
     </p:extLst>
   </p:cSld>
@@ -3123,7 +2309,7 @@
 </p:sldLayout>
 </file>
 
-<file path=ppt/slideLayouts/slideLayout8.xml><?xml version="1.0" encoding="utf-8"?>
+<file path=ppt/slideLayouts/slideLayout7.xml><?xml version="1.0" encoding="utf-8"?>
 <p:sldLayout xmlns:a="http://schemas.openxmlformats.org/drawingml/2006/main" xmlns:r="http://schemas.openxmlformats.org/officeDocument/2006/relationships" xmlns:p="http://schemas.openxmlformats.org/presentationml/2006/main" type="blank" preserve="1">
   <p:cSld name="Blank">
     <p:spTree>
@@ -3210,7 +2396,7 @@
     </p:spTree>
     <p:extLst>
       <p:ext uri="{BB962C8B-B14F-4D97-AF65-F5344CB8AC3E}">
-        <p14:creationId xmlns:p14="http://schemas.microsoft.com/office/powerpoint/2010/main" val="4251864075"/>
+        <p14:creationId xmlns:p14="http://schemas.microsoft.com/office/powerpoint/2010/main" val="1094636807"/>
       </p:ext>
     </p:extLst>
   </p:cSld>
@@ -3220,7 +2406,7 @@
 </p:sldLayout>
 </file>
 
-<file path=ppt/slideLayouts/slideLayout9.xml><?xml version="1.0" encoding="utf-8"?>
+<file path=ppt/slideLayouts/slideLayout8.xml><?xml version="1.0" encoding="utf-8"?>
 <p:sldLayout xmlns:a="http://schemas.openxmlformats.org/drawingml/2006/main" xmlns:r="http://schemas.openxmlformats.org/officeDocument/2006/relationships" xmlns:p="http://schemas.openxmlformats.org/presentationml/2006/main" type="objTx" preserve="1">
   <p:cSld name="Content with Caption">
     <p:spTree>
@@ -3249,22 +2435,23 @@
         </p:nvSpPr>
         <p:spPr>
           <a:xfrm>
-            <a:off x="457201" y="204787"/>
-            <a:ext cx="3008313" cy="871538"/>
+            <a:off x="629841" y="342900"/>
+            <a:ext cx="2949178" cy="1200150"/>
           </a:xfrm>
         </p:spPr>
         <p:txBody>
           <a:bodyPr anchor="b"/>
           <a:lstStyle>
-            <a:lvl1pPr algn="l">
-              <a:defRPr sz="2000" b="1"/>
+            <a:lvl1pPr>
+              <a:defRPr sz="2400"/>
             </a:lvl1pPr>
           </a:lstStyle>
           <a:p>
             <a:r>
-              <a:rPr lang="en-US"/>
+              <a:rPr lang="en-US" smtClean="0"/>
               <a:t>Click to edit Master title style</a:t>
             </a:r>
+            <a:endParaRPr lang="en-GB"/>
           </a:p>
         </p:txBody>
       </p:sp>
@@ -3280,75 +2467,76 @@
         </p:nvSpPr>
         <p:spPr>
           <a:xfrm>
-            <a:off x="3575050" y="204788"/>
-            <a:ext cx="5111750" cy="4389835"/>
+            <a:off x="3887391" y="740569"/>
+            <a:ext cx="4629150" cy="3655219"/>
           </a:xfrm>
         </p:spPr>
         <p:txBody>
           <a:bodyPr/>
           <a:lstStyle>
             <a:lvl1pPr>
-              <a:defRPr sz="3200"/>
+              <a:defRPr sz="2400"/>
             </a:lvl1pPr>
             <a:lvl2pPr>
-              <a:defRPr sz="2800"/>
+              <a:defRPr sz="2100"/>
             </a:lvl2pPr>
             <a:lvl3pPr>
-              <a:defRPr sz="2400"/>
+              <a:defRPr sz="1800"/>
             </a:lvl3pPr>
             <a:lvl4pPr>
-              <a:defRPr sz="2000"/>
+              <a:defRPr sz="1500"/>
             </a:lvl4pPr>
             <a:lvl5pPr>
-              <a:defRPr sz="2000"/>
+              <a:defRPr sz="1500"/>
             </a:lvl5pPr>
             <a:lvl6pPr>
-              <a:defRPr sz="2000"/>
+              <a:defRPr sz="1500"/>
             </a:lvl6pPr>
             <a:lvl7pPr>
-              <a:defRPr sz="2000"/>
+              <a:defRPr sz="1500"/>
             </a:lvl7pPr>
             <a:lvl8pPr>
-              <a:defRPr sz="2000"/>
+              <a:defRPr sz="1500"/>
             </a:lvl8pPr>
             <a:lvl9pPr>
-              <a:defRPr sz="2000"/>
+              <a:defRPr sz="1500"/>
             </a:lvl9pPr>
           </a:lstStyle>
           <a:p>
             <a:pPr lvl="0"/>
             <a:r>
-              <a:rPr lang="en-US"/>
-              <a:t>Click to edit Master text styles</a:t>
+              <a:rPr lang="en-US" smtClean="0"/>
+              <a:t>Edit Master text styles</a:t>
             </a:r>
           </a:p>
           <a:p>
             <a:pPr lvl="1"/>
             <a:r>
-              <a:rPr lang="en-US"/>
+              <a:rPr lang="en-US" smtClean="0"/>
               <a:t>Second level</a:t>
             </a:r>
           </a:p>
           <a:p>
             <a:pPr lvl="2"/>
             <a:r>
-              <a:rPr lang="en-US"/>
+              <a:rPr lang="en-US" smtClean="0"/>
               <a:t>Third level</a:t>
             </a:r>
           </a:p>
           <a:p>
             <a:pPr lvl="3"/>
             <a:r>
-              <a:rPr lang="en-US"/>
+              <a:rPr lang="en-US" smtClean="0"/>
               <a:t>Fourth level</a:t>
             </a:r>
           </a:p>
           <a:p>
             <a:pPr lvl="4"/>
             <a:r>
-              <a:rPr lang="en-US"/>
+              <a:rPr lang="en-US" smtClean="0"/>
               <a:t>Fifth level</a:t>
             </a:r>
+            <a:endParaRPr lang="en-GB"/>
           </a:p>
         </p:txBody>
       </p:sp>
@@ -3364,8 +2552,8 @@
         </p:nvSpPr>
         <p:spPr>
           <a:xfrm>
-            <a:off x="457201" y="1076326"/>
-            <a:ext cx="3008313" cy="3518297"/>
+            <a:off x="629841" y="1543050"/>
+            <a:ext cx="2949178" cy="2858691"/>
           </a:xfrm>
         </p:spPr>
         <p:txBody>
@@ -3373,46 +2561,46 @@
           <a:lstStyle>
             <a:lvl1pPr marL="0" indent="0">
               <a:buNone/>
-              <a:defRPr sz="1400"/>
+              <a:defRPr sz="1200"/>
             </a:lvl1pPr>
-            <a:lvl2pPr marL="457200" indent="0">
-              <a:buNone/>
-              <a:defRPr sz="1200"/>
+            <a:lvl2pPr marL="342900" indent="0">
+              <a:buNone/>
+              <a:defRPr sz="1050"/>
             </a:lvl2pPr>
-            <a:lvl3pPr marL="914400" indent="0">
-              <a:buNone/>
-              <a:defRPr sz="1000"/>
+            <a:lvl3pPr marL="685800" indent="0">
+              <a:buNone/>
+              <a:defRPr sz="900"/>
             </a:lvl3pPr>
-            <a:lvl4pPr marL="1371600" indent="0">
-              <a:buNone/>
-              <a:defRPr sz="900"/>
+            <a:lvl4pPr marL="1028700" indent="0">
+              <a:buNone/>
+              <a:defRPr sz="750"/>
             </a:lvl4pPr>
-            <a:lvl5pPr marL="1828800" indent="0">
-              <a:buNone/>
-              <a:defRPr sz="900"/>
+            <a:lvl5pPr marL="1371600" indent="0">
+              <a:buNone/>
+              <a:defRPr sz="750"/>
             </a:lvl5pPr>
-            <a:lvl6pPr marL="2286000" indent="0">
-              <a:buNone/>
-              <a:defRPr sz="900"/>
+            <a:lvl6pPr marL="1714500" indent="0">
+              <a:buNone/>
+              <a:defRPr sz="750"/>
             </a:lvl6pPr>
-            <a:lvl7pPr marL="2743200" indent="0">
-              <a:buNone/>
-              <a:defRPr sz="900"/>
+            <a:lvl7pPr marL="2057400" indent="0">
+              <a:buNone/>
+              <a:defRPr sz="750"/>
             </a:lvl7pPr>
-            <a:lvl8pPr marL="3200400" indent="0">
-              <a:buNone/>
-              <a:defRPr sz="900"/>
+            <a:lvl8pPr marL="2400300" indent="0">
+              <a:buNone/>
+              <a:defRPr sz="750"/>
             </a:lvl8pPr>
-            <a:lvl9pPr marL="3657600" indent="0">
-              <a:buNone/>
-              <a:defRPr sz="900"/>
+            <a:lvl9pPr marL="2743200" indent="0">
+              <a:buNone/>
+              <a:defRPr sz="750"/>
             </a:lvl9pPr>
           </a:lstStyle>
           <a:p>
             <a:pPr lvl="0"/>
             <a:r>
-              <a:rPr lang="en-US"/>
-              <a:t>Click to edit Master text styles</a:t>
+              <a:rPr lang="en-US" smtClean="0"/>
+              <a:t>Edit Master text styles</a:t>
             </a:r>
           </a:p>
         </p:txBody>
@@ -3487,7 +2675,262 @@
     </p:spTree>
     <p:extLst>
       <p:ext uri="{BB962C8B-B14F-4D97-AF65-F5344CB8AC3E}">
-        <p14:creationId xmlns:p14="http://schemas.microsoft.com/office/powerpoint/2010/main" val="3174452648"/>
+        <p14:creationId xmlns:p14="http://schemas.microsoft.com/office/powerpoint/2010/main" val="2504077326"/>
+      </p:ext>
+    </p:extLst>
+  </p:cSld>
+  <p:clrMapOvr>
+    <a:masterClrMapping/>
+  </p:clrMapOvr>
+</p:sldLayout>
+</file>
+
+<file path=ppt/slideLayouts/slideLayout9.xml><?xml version="1.0" encoding="utf-8"?>
+<p:sldLayout xmlns:a="http://schemas.openxmlformats.org/drawingml/2006/main" xmlns:r="http://schemas.openxmlformats.org/officeDocument/2006/relationships" xmlns:p="http://schemas.openxmlformats.org/presentationml/2006/main" type="picTx" preserve="1">
+  <p:cSld name="Picture with Caption">
+    <p:spTree>
+      <p:nvGrpSpPr>
+        <p:cNvPr id="1" name=""/>
+        <p:cNvGrpSpPr/>
+        <p:nvPr/>
+      </p:nvGrpSpPr>
+      <p:grpSpPr>
+        <a:xfrm>
+          <a:off x="0" y="0"/>
+          <a:ext cx="0" cy="0"/>
+          <a:chOff x="0" y="0"/>
+          <a:chExt cx="0" cy="0"/>
+        </a:xfrm>
+      </p:grpSpPr>
+      <p:sp>
+        <p:nvSpPr>
+          <p:cNvPr id="2" name="Title 1"/>
+          <p:cNvSpPr>
+            <a:spLocks noGrp="1"/>
+          </p:cNvSpPr>
+          <p:nvPr>
+            <p:ph type="title"/>
+          </p:nvPr>
+        </p:nvSpPr>
+        <p:spPr>
+          <a:xfrm>
+            <a:off x="629841" y="342900"/>
+            <a:ext cx="2949178" cy="1200150"/>
+          </a:xfrm>
+        </p:spPr>
+        <p:txBody>
+          <a:bodyPr anchor="b"/>
+          <a:lstStyle>
+            <a:lvl1pPr>
+              <a:defRPr sz="2400"/>
+            </a:lvl1pPr>
+          </a:lstStyle>
+          <a:p>
+            <a:r>
+              <a:rPr lang="en-US" smtClean="0"/>
+              <a:t>Click to edit Master title style</a:t>
+            </a:r>
+            <a:endParaRPr lang="en-GB"/>
+          </a:p>
+        </p:txBody>
+      </p:sp>
+      <p:sp>
+        <p:nvSpPr>
+          <p:cNvPr id="3" name="Picture Placeholder 2"/>
+          <p:cNvSpPr>
+            <a:spLocks noGrp="1"/>
+          </p:cNvSpPr>
+          <p:nvPr>
+            <p:ph type="pic" idx="1"/>
+          </p:nvPr>
+        </p:nvSpPr>
+        <p:spPr>
+          <a:xfrm>
+            <a:off x="3887391" y="740569"/>
+            <a:ext cx="4629150" cy="3655219"/>
+          </a:xfrm>
+        </p:spPr>
+        <p:txBody>
+          <a:bodyPr/>
+          <a:lstStyle>
+            <a:lvl1pPr marL="0" indent="0">
+              <a:buNone/>
+              <a:defRPr sz="2400"/>
+            </a:lvl1pPr>
+            <a:lvl2pPr marL="342900" indent="0">
+              <a:buNone/>
+              <a:defRPr sz="2100"/>
+            </a:lvl2pPr>
+            <a:lvl3pPr marL="685800" indent="0">
+              <a:buNone/>
+              <a:defRPr sz="1800"/>
+            </a:lvl3pPr>
+            <a:lvl4pPr marL="1028700" indent="0">
+              <a:buNone/>
+              <a:defRPr sz="1500"/>
+            </a:lvl4pPr>
+            <a:lvl5pPr marL="1371600" indent="0">
+              <a:buNone/>
+              <a:defRPr sz="1500"/>
+            </a:lvl5pPr>
+            <a:lvl6pPr marL="1714500" indent="0">
+              <a:buNone/>
+              <a:defRPr sz="1500"/>
+            </a:lvl6pPr>
+            <a:lvl7pPr marL="2057400" indent="0">
+              <a:buNone/>
+              <a:defRPr sz="1500"/>
+            </a:lvl7pPr>
+            <a:lvl8pPr marL="2400300" indent="0">
+              <a:buNone/>
+              <a:defRPr sz="1500"/>
+            </a:lvl8pPr>
+            <a:lvl9pPr marL="2743200" indent="0">
+              <a:buNone/>
+              <a:defRPr sz="1500"/>
+            </a:lvl9pPr>
+          </a:lstStyle>
+          <a:p>
+            <a:endParaRPr lang="en-GB"/>
+          </a:p>
+        </p:txBody>
+      </p:sp>
+      <p:sp>
+        <p:nvSpPr>
+          <p:cNvPr id="4" name="Text Placeholder 3"/>
+          <p:cNvSpPr>
+            <a:spLocks noGrp="1"/>
+          </p:cNvSpPr>
+          <p:nvPr>
+            <p:ph type="body" sz="half" idx="2"/>
+          </p:nvPr>
+        </p:nvSpPr>
+        <p:spPr>
+          <a:xfrm>
+            <a:off x="629841" y="1543050"/>
+            <a:ext cx="2949178" cy="2858691"/>
+          </a:xfrm>
+        </p:spPr>
+        <p:txBody>
+          <a:bodyPr/>
+          <a:lstStyle>
+            <a:lvl1pPr marL="0" indent="0">
+              <a:buNone/>
+              <a:defRPr sz="1200"/>
+            </a:lvl1pPr>
+            <a:lvl2pPr marL="342900" indent="0">
+              <a:buNone/>
+              <a:defRPr sz="1050"/>
+            </a:lvl2pPr>
+            <a:lvl3pPr marL="685800" indent="0">
+              <a:buNone/>
+              <a:defRPr sz="900"/>
+            </a:lvl3pPr>
+            <a:lvl4pPr marL="1028700" indent="0">
+              <a:buNone/>
+              <a:defRPr sz="750"/>
+            </a:lvl4pPr>
+            <a:lvl5pPr marL="1371600" indent="0">
+              <a:buNone/>
+              <a:defRPr sz="750"/>
+            </a:lvl5pPr>
+            <a:lvl6pPr marL="1714500" indent="0">
+              <a:buNone/>
+              <a:defRPr sz="750"/>
+            </a:lvl6pPr>
+            <a:lvl7pPr marL="2057400" indent="0">
+              <a:buNone/>
+              <a:defRPr sz="750"/>
+            </a:lvl7pPr>
+            <a:lvl8pPr marL="2400300" indent="0">
+              <a:buNone/>
+              <a:defRPr sz="750"/>
+            </a:lvl8pPr>
+            <a:lvl9pPr marL="2743200" indent="0">
+              <a:buNone/>
+              <a:defRPr sz="750"/>
+            </a:lvl9pPr>
+          </a:lstStyle>
+          <a:p>
+            <a:pPr lvl="0"/>
+            <a:r>
+              <a:rPr lang="en-US" smtClean="0"/>
+              <a:t>Edit Master text styles</a:t>
+            </a:r>
+          </a:p>
+        </p:txBody>
+      </p:sp>
+      <p:sp>
+        <p:nvSpPr>
+          <p:cNvPr id="5" name="Date Placeholder 4"/>
+          <p:cNvSpPr>
+            <a:spLocks noGrp="1"/>
+          </p:cNvSpPr>
+          <p:nvPr>
+            <p:ph type="dt" sz="half" idx="10"/>
+          </p:nvPr>
+        </p:nvSpPr>
+        <p:spPr/>
+        <p:txBody>
+          <a:bodyPr/>
+          <a:lstStyle/>
+          <a:p>
+            <a:fld id="{53074F12-AA26-4AC8-9962-C36BB8F32554}" type="datetimeFigureOut">
+              <a:rPr lang="en-US" smtClean="0"/>
+              <a:pPr/>
+              <a:t>8/3/2018</a:t>
+            </a:fld>
+            <a:endParaRPr lang="en-US"/>
+          </a:p>
+        </p:txBody>
+      </p:sp>
+      <p:sp>
+        <p:nvSpPr>
+          <p:cNvPr id="6" name="Footer Placeholder 5"/>
+          <p:cNvSpPr>
+            <a:spLocks noGrp="1"/>
+          </p:cNvSpPr>
+          <p:nvPr>
+            <p:ph type="ftr" sz="quarter" idx="11"/>
+          </p:nvPr>
+        </p:nvSpPr>
+        <p:spPr/>
+        <p:txBody>
+          <a:bodyPr/>
+          <a:lstStyle/>
+          <a:p>
+            <a:endParaRPr lang="en-US"/>
+          </a:p>
+        </p:txBody>
+      </p:sp>
+      <p:sp>
+        <p:nvSpPr>
+          <p:cNvPr id="7" name="Slide Number Placeholder 6"/>
+          <p:cNvSpPr>
+            <a:spLocks noGrp="1"/>
+          </p:cNvSpPr>
+          <p:nvPr>
+            <p:ph type="sldNum" sz="quarter" idx="12"/>
+          </p:nvPr>
+        </p:nvSpPr>
+        <p:spPr/>
+        <p:txBody>
+          <a:bodyPr/>
+          <a:lstStyle/>
+          <a:p>
+            <a:fld id="{B82CCC60-E8CD-4174-8B1A-7DF615B22EEF}" type="slidenum">
+              <a:rPr lang="en-US" smtClean="0"/>
+              <a:pPr/>
+              <a:t>‹#›</a:t>
+            </a:fld>
+            <a:endParaRPr lang="en-US"/>
+          </a:p>
+        </p:txBody>
+      </p:sp>
+    </p:spTree>
+    <p:extLst>
+      <p:ext uri="{BB962C8B-B14F-4D97-AF65-F5344CB8AC3E}">
+        <p14:creationId xmlns:p14="http://schemas.microsoft.com/office/powerpoint/2010/main" val="2327909342"/>
       </p:ext>
     </p:extLst>
   </p:cSld>
@@ -3501,18 +2944,9 @@
 <p:sldMaster xmlns:a="http://schemas.openxmlformats.org/drawingml/2006/main" xmlns:r="http://schemas.openxmlformats.org/officeDocument/2006/relationships" xmlns:p="http://schemas.openxmlformats.org/presentationml/2006/main">
   <p:cSld>
     <p:bg>
-      <p:bgPr>
-        <a:blipFill dpi="0" rotWithShape="1">
-          <a:blip r:embed="rId14">
-            <a:lum/>
-          </a:blip>
-          <a:srcRect/>
-          <a:stretch>
-            <a:fillRect/>
-          </a:stretch>
-        </a:blipFill>
-        <a:effectLst/>
-      </p:bgPr>
+      <p:bgRef idx="1001">
+        <a:schemeClr val="bg1"/>
+      </p:bgRef>
     </p:bg>
     <p:spTree>
       <p:nvGrpSpPr>
@@ -3540,8 +2974,8 @@
         </p:nvSpPr>
         <p:spPr>
           <a:xfrm>
-            <a:off x="457200" y="205979"/>
-            <a:ext cx="8229600" cy="857250"/>
+            <a:off x="628650" y="273844"/>
+            <a:ext cx="7886700" cy="994172"/>
           </a:xfrm>
           <a:prstGeom prst="rect">
             <a:avLst/>
@@ -3554,9 +2988,10 @@
           <a:lstStyle/>
           <a:p>
             <a:r>
-              <a:rPr lang="en-US"/>
+              <a:rPr lang="en-US" smtClean="0"/>
               <a:t>Click to edit Master title style</a:t>
             </a:r>
+            <a:endParaRPr lang="en-GB"/>
           </a:p>
         </p:txBody>
       </p:sp>
@@ -3572,8 +3007,8 @@
         </p:nvSpPr>
         <p:spPr>
           <a:xfrm>
-            <a:off x="457200" y="1200151"/>
-            <a:ext cx="8229600" cy="3394472"/>
+            <a:off x="628650" y="1369219"/>
+            <a:ext cx="7886700" cy="3263504"/>
           </a:xfrm>
           <a:prstGeom prst="rect">
             <a:avLst/>
@@ -3587,37 +3022,38 @@
           <a:p>
             <a:pPr lvl="0"/>
             <a:r>
-              <a:rPr lang="en-US"/>
-              <a:t>Click to edit Master text styles</a:t>
+              <a:rPr lang="en-US" smtClean="0"/>
+              <a:t>Edit Master text styles</a:t>
             </a:r>
           </a:p>
           <a:p>
             <a:pPr lvl="1"/>
             <a:r>
-              <a:rPr lang="en-US"/>
+              <a:rPr lang="en-US" smtClean="0"/>
               <a:t>Second level</a:t>
             </a:r>
           </a:p>
           <a:p>
             <a:pPr lvl="2"/>
             <a:r>
-              <a:rPr lang="en-US"/>
+              <a:rPr lang="en-US" smtClean="0"/>
               <a:t>Third level</a:t>
             </a:r>
           </a:p>
           <a:p>
             <a:pPr lvl="3"/>
             <a:r>
-              <a:rPr lang="en-US"/>
+              <a:rPr lang="en-US" smtClean="0"/>
               <a:t>Fourth level</a:t>
             </a:r>
           </a:p>
           <a:p>
             <a:pPr lvl="4"/>
             <a:r>
-              <a:rPr lang="en-US"/>
+              <a:rPr lang="en-US" smtClean="0"/>
               <a:t>Fifth level</a:t>
             </a:r>
+            <a:endParaRPr lang="en-GB"/>
           </a:p>
         </p:txBody>
       </p:sp>
@@ -3633,8 +3069,8 @@
         </p:nvSpPr>
         <p:spPr>
           <a:xfrm>
-            <a:off x="457200" y="4767263"/>
-            <a:ext cx="2133600" cy="273844"/>
+            <a:off x="628650" y="4767263"/>
+            <a:ext cx="2057400" cy="273844"/>
           </a:xfrm>
           <a:prstGeom prst="rect">
             <a:avLst/>
@@ -3644,7 +3080,7 @@
           <a:bodyPr vert="horz" lIns="91440" tIns="45720" rIns="91440" bIns="45720" rtlCol="0" anchor="ctr"/>
           <a:lstStyle>
             <a:lvl1pPr algn="l">
-              <a:defRPr sz="1200">
+              <a:defRPr sz="900">
                 <a:solidFill>
                   <a:schemeClr val="tx1">
                     <a:tint val="75000"/>
@@ -3675,8 +3111,8 @@
         </p:nvSpPr>
         <p:spPr>
           <a:xfrm>
-            <a:off x="3124200" y="4767263"/>
-            <a:ext cx="2895600" cy="273844"/>
+            <a:off x="3028950" y="4767263"/>
+            <a:ext cx="3086100" cy="273844"/>
           </a:xfrm>
           <a:prstGeom prst="rect">
             <a:avLst/>
@@ -3686,7 +3122,7 @@
           <a:bodyPr vert="horz" lIns="91440" tIns="45720" rIns="91440" bIns="45720" rtlCol="0" anchor="ctr"/>
           <a:lstStyle>
             <a:lvl1pPr algn="ctr">
-              <a:defRPr sz="1200">
+              <a:defRPr sz="900">
                 <a:solidFill>
                   <a:schemeClr val="tx1">
                     <a:tint val="75000"/>
@@ -3712,8 +3148,8 @@
         </p:nvSpPr>
         <p:spPr>
           <a:xfrm>
-            <a:off x="6553200" y="4767263"/>
-            <a:ext cx="2133600" cy="273844"/>
+            <a:off x="6457950" y="4767263"/>
+            <a:ext cx="2057400" cy="273844"/>
           </a:xfrm>
           <a:prstGeom prst="rect">
             <a:avLst/>
@@ -3723,7 +3159,7 @@
           <a:bodyPr vert="horz" lIns="91440" tIns="45720" rIns="91440" bIns="45720" rtlCol="0" anchor="ctr"/>
           <a:lstStyle>
             <a:lvl1pPr algn="r">
-              <a:defRPr sz="1200">
+              <a:defRPr sz="900">
                 <a:solidFill>
                   <a:schemeClr val="tx1">
                     <a:tint val="75000"/>
@@ -3798,33 +3234,35 @@
     </p:spTree>
     <p:extLst>
       <p:ext uri="{BB962C8B-B14F-4D97-AF65-F5344CB8AC3E}">
-        <p14:creationId xmlns:p14="http://schemas.microsoft.com/office/powerpoint/2010/main" val="1944039382"/>
+        <p14:creationId xmlns:p14="http://schemas.microsoft.com/office/powerpoint/2010/main" val="1318771284"/>
       </p:ext>
     </p:extLst>
   </p:cSld>
   <p:clrMap bg1="lt1" tx1="dk1" bg2="lt2" tx2="dk2" accent1="accent1" accent2="accent2" accent3="accent3" accent4="accent4" accent5="accent5" accent6="accent6" hlink="hlink" folHlink="folHlink"/>
   <p:sldLayoutIdLst>
-    <p:sldLayoutId id="2147483649" r:id="rId1"/>
-    <p:sldLayoutId id="2147483650" r:id="rId2"/>
-    <p:sldLayoutId id="2147483660" r:id="rId3"/>
-    <p:sldLayoutId id="2147483651" r:id="rId4"/>
-    <p:sldLayoutId id="2147483652" r:id="rId5"/>
-    <p:sldLayoutId id="2147483653" r:id="rId6"/>
-    <p:sldLayoutId id="2147483654" r:id="rId7"/>
-    <p:sldLayoutId id="2147483655" r:id="rId8"/>
-    <p:sldLayoutId id="2147483656" r:id="rId9"/>
-    <p:sldLayoutId id="2147483657" r:id="rId10"/>
-    <p:sldLayoutId id="2147483658" r:id="rId11"/>
-    <p:sldLayoutId id="2147483659" r:id="rId12"/>
+    <p:sldLayoutId id="2147483674" r:id="rId1"/>
+    <p:sldLayoutId id="2147483675" r:id="rId2"/>
+    <p:sldLayoutId id="2147483676" r:id="rId3"/>
+    <p:sldLayoutId id="2147483677" r:id="rId4"/>
+    <p:sldLayoutId id="2147483678" r:id="rId5"/>
+    <p:sldLayoutId id="2147483679" r:id="rId6"/>
+    <p:sldLayoutId id="2147483680" r:id="rId7"/>
+    <p:sldLayoutId id="2147483681" r:id="rId8"/>
+    <p:sldLayoutId id="2147483682" r:id="rId9"/>
+    <p:sldLayoutId id="2147483683" r:id="rId10"/>
+    <p:sldLayoutId id="2147483684" r:id="rId11"/>
   </p:sldLayoutIdLst>
   <p:txStyles>
     <p:titleStyle>
-      <a:lvl1pPr algn="ctr" defTabSz="914400" rtl="0" eaLnBrk="1" latinLnBrk="0" hangingPunct="1">
+      <a:lvl1pPr algn="l" defTabSz="685800" rtl="0" eaLnBrk="1" latinLnBrk="0" hangingPunct="1">
+        <a:lnSpc>
+          <a:spcPct val="90000"/>
+        </a:lnSpc>
         <a:spcBef>
           <a:spcPct val="0"/>
         </a:spcBef>
         <a:buNone/>
-        <a:defRPr sz="4400" kern="1200">
+        <a:defRPr sz="3300" kern="1200">
           <a:solidFill>
             <a:schemeClr val="tx1"/>
           </a:solidFill>
@@ -3835,13 +3273,16 @@
       </a:lvl1pPr>
     </p:titleStyle>
     <p:bodyStyle>
-      <a:lvl1pPr marL="342900" indent="-342900" algn="l" defTabSz="914400" rtl="0" eaLnBrk="1" latinLnBrk="0" hangingPunct="1">
+      <a:lvl1pPr marL="171450" indent="-171450" algn="l" defTabSz="685800" rtl="0" eaLnBrk="1" latinLnBrk="0" hangingPunct="1">
+        <a:lnSpc>
+          <a:spcPct val="90000"/>
+        </a:lnSpc>
         <a:spcBef>
-          <a:spcPct val="20000"/>
+          <a:spcPts val="750"/>
         </a:spcBef>
-        <a:buFont typeface="Arial" pitchFamily="34" charset="0"/>
+        <a:buFont typeface="Arial" panose="020B0604020202020204" pitchFamily="34" charset="0"/>
         <a:buChar char="•"/>
-        <a:defRPr sz="3200" kern="1200">
+        <a:defRPr sz="2100" kern="1200">
           <a:solidFill>
             <a:schemeClr val="tx1"/>
           </a:solidFill>
@@ -3850,13 +3291,16 @@
           <a:cs typeface="+mn-cs"/>
         </a:defRPr>
       </a:lvl1pPr>
-      <a:lvl2pPr marL="742950" indent="-285750" algn="l" defTabSz="914400" rtl="0" eaLnBrk="1" latinLnBrk="0" hangingPunct="1">
+      <a:lvl2pPr marL="514350" indent="-171450" algn="l" defTabSz="685800" rtl="0" eaLnBrk="1" latinLnBrk="0" hangingPunct="1">
+        <a:lnSpc>
+          <a:spcPct val="90000"/>
+        </a:lnSpc>
         <a:spcBef>
-          <a:spcPct val="20000"/>
+          <a:spcPts val="375"/>
         </a:spcBef>
-        <a:buFont typeface="Arial" pitchFamily="34" charset="0"/>
-        <a:buChar char="–"/>
-        <a:defRPr sz="2800" kern="1200">
+        <a:buFont typeface="Arial" panose="020B0604020202020204" pitchFamily="34" charset="0"/>
+        <a:buChar char="•"/>
+        <a:defRPr sz="1800" kern="1200">
           <a:solidFill>
             <a:schemeClr val="tx1"/>
           </a:solidFill>
@@ -3865,13 +3309,16 @@
           <a:cs typeface="+mn-cs"/>
         </a:defRPr>
       </a:lvl2pPr>
-      <a:lvl3pPr marL="1143000" indent="-228600" algn="l" defTabSz="914400" rtl="0" eaLnBrk="1" latinLnBrk="0" hangingPunct="1">
+      <a:lvl3pPr marL="857250" indent="-171450" algn="l" defTabSz="685800" rtl="0" eaLnBrk="1" latinLnBrk="0" hangingPunct="1">
+        <a:lnSpc>
+          <a:spcPct val="90000"/>
+        </a:lnSpc>
         <a:spcBef>
-          <a:spcPct val="20000"/>
+          <a:spcPts val="375"/>
         </a:spcBef>
-        <a:buFont typeface="Arial" pitchFamily="34" charset="0"/>
+        <a:buFont typeface="Arial" panose="020B0604020202020204" pitchFamily="34" charset="0"/>
         <a:buChar char="•"/>
-        <a:defRPr sz="2400" kern="1200">
+        <a:defRPr sz="1500" kern="1200">
           <a:solidFill>
             <a:schemeClr val="tx1"/>
           </a:solidFill>
@@ -3880,13 +3327,16 @@
           <a:cs typeface="+mn-cs"/>
         </a:defRPr>
       </a:lvl3pPr>
-      <a:lvl4pPr marL="1600200" indent="-228600" algn="l" defTabSz="914400" rtl="0" eaLnBrk="1" latinLnBrk="0" hangingPunct="1">
+      <a:lvl4pPr marL="1200150" indent="-171450" algn="l" defTabSz="685800" rtl="0" eaLnBrk="1" latinLnBrk="0" hangingPunct="1">
+        <a:lnSpc>
+          <a:spcPct val="90000"/>
+        </a:lnSpc>
         <a:spcBef>
-          <a:spcPct val="20000"/>
+          <a:spcPts val="375"/>
         </a:spcBef>
-        <a:buFont typeface="Arial" pitchFamily="34" charset="0"/>
-        <a:buChar char="–"/>
-        <a:defRPr sz="2000" kern="1200">
+        <a:buFont typeface="Arial" panose="020B0604020202020204" pitchFamily="34" charset="0"/>
+        <a:buChar char="•"/>
+        <a:defRPr sz="1350" kern="1200">
           <a:solidFill>
             <a:schemeClr val="tx1"/>
           </a:solidFill>
@@ -3895,13 +3345,16 @@
           <a:cs typeface="+mn-cs"/>
         </a:defRPr>
       </a:lvl4pPr>
-      <a:lvl5pPr marL="2057400" indent="-228600" algn="l" defTabSz="914400" rtl="0" eaLnBrk="1" latinLnBrk="0" hangingPunct="1">
+      <a:lvl5pPr marL="1543050" indent="-171450" algn="l" defTabSz="685800" rtl="0" eaLnBrk="1" latinLnBrk="0" hangingPunct="1">
+        <a:lnSpc>
+          <a:spcPct val="90000"/>
+        </a:lnSpc>
         <a:spcBef>
-          <a:spcPct val="20000"/>
+          <a:spcPts val="375"/>
         </a:spcBef>
-        <a:buFont typeface="Arial" pitchFamily="34" charset="0"/>
-        <a:buChar char="»"/>
-        <a:defRPr sz="2000" kern="1200">
+        <a:buFont typeface="Arial" panose="020B0604020202020204" pitchFamily="34" charset="0"/>
+        <a:buChar char="•"/>
+        <a:defRPr sz="1350" kern="1200">
           <a:solidFill>
             <a:schemeClr val="tx1"/>
           </a:solidFill>
@@ -3910,13 +3363,16 @@
           <a:cs typeface="+mn-cs"/>
         </a:defRPr>
       </a:lvl5pPr>
-      <a:lvl6pPr marL="2514600" indent="-228600" algn="l" defTabSz="914400" rtl="0" eaLnBrk="1" latinLnBrk="0" hangingPunct="1">
+      <a:lvl6pPr marL="1885950" indent="-171450" algn="l" defTabSz="685800" rtl="0" eaLnBrk="1" latinLnBrk="0" hangingPunct="1">
+        <a:lnSpc>
+          <a:spcPct val="90000"/>
+        </a:lnSpc>
         <a:spcBef>
-          <a:spcPct val="20000"/>
+          <a:spcPts val="375"/>
         </a:spcBef>
-        <a:buFont typeface="Arial" pitchFamily="34" charset="0"/>
+        <a:buFont typeface="Arial" panose="020B0604020202020204" pitchFamily="34" charset="0"/>
         <a:buChar char="•"/>
-        <a:defRPr sz="2000" kern="1200">
+        <a:defRPr sz="1350" kern="1200">
           <a:solidFill>
             <a:schemeClr val="tx1"/>
           </a:solidFill>
@@ -3925,13 +3381,16 @@
           <a:cs typeface="+mn-cs"/>
         </a:defRPr>
       </a:lvl6pPr>
-      <a:lvl7pPr marL="2971800" indent="-228600" algn="l" defTabSz="914400" rtl="0" eaLnBrk="1" latinLnBrk="0" hangingPunct="1">
+      <a:lvl7pPr marL="2228850" indent="-171450" algn="l" defTabSz="685800" rtl="0" eaLnBrk="1" latinLnBrk="0" hangingPunct="1">
+        <a:lnSpc>
+          <a:spcPct val="90000"/>
+        </a:lnSpc>
         <a:spcBef>
-          <a:spcPct val="20000"/>
+          <a:spcPts val="375"/>
         </a:spcBef>
-        <a:buFont typeface="Arial" pitchFamily="34" charset="0"/>
+        <a:buFont typeface="Arial" panose="020B0604020202020204" pitchFamily="34" charset="0"/>
         <a:buChar char="•"/>
-        <a:defRPr sz="2000" kern="1200">
+        <a:defRPr sz="1350" kern="1200">
           <a:solidFill>
             <a:schemeClr val="tx1"/>
           </a:solidFill>
@@ -3940,13 +3399,16 @@
           <a:cs typeface="+mn-cs"/>
         </a:defRPr>
       </a:lvl7pPr>
-      <a:lvl8pPr marL="3429000" indent="-228600" algn="l" defTabSz="914400" rtl="0" eaLnBrk="1" latinLnBrk="0" hangingPunct="1">
+      <a:lvl8pPr marL="2571750" indent="-171450" algn="l" defTabSz="685800" rtl="0" eaLnBrk="1" latinLnBrk="0" hangingPunct="1">
+        <a:lnSpc>
+          <a:spcPct val="90000"/>
+        </a:lnSpc>
         <a:spcBef>
-          <a:spcPct val="20000"/>
+          <a:spcPts val="375"/>
         </a:spcBef>
-        <a:buFont typeface="Arial" pitchFamily="34" charset="0"/>
+        <a:buFont typeface="Arial" panose="020B0604020202020204" pitchFamily="34" charset="0"/>
         <a:buChar char="•"/>
-        <a:defRPr sz="2000" kern="1200">
+        <a:defRPr sz="1350" kern="1200">
           <a:solidFill>
             <a:schemeClr val="tx1"/>
           </a:solidFill>
@@ -3955,13 +3417,16 @@
           <a:cs typeface="+mn-cs"/>
         </a:defRPr>
       </a:lvl8pPr>
-      <a:lvl9pPr marL="3886200" indent="-228600" algn="l" defTabSz="914400" rtl="0" eaLnBrk="1" latinLnBrk="0" hangingPunct="1">
+      <a:lvl9pPr marL="2914650" indent="-171450" algn="l" defTabSz="685800" rtl="0" eaLnBrk="1" latinLnBrk="0" hangingPunct="1">
+        <a:lnSpc>
+          <a:spcPct val="90000"/>
+        </a:lnSpc>
         <a:spcBef>
-          <a:spcPct val="20000"/>
+          <a:spcPts val="375"/>
         </a:spcBef>
-        <a:buFont typeface="Arial" pitchFamily="34" charset="0"/>
+        <a:buFont typeface="Arial" panose="020B0604020202020204" pitchFamily="34" charset="0"/>
         <a:buChar char="•"/>
-        <a:defRPr sz="2000" kern="1200">
+        <a:defRPr sz="1350" kern="1200">
           <a:solidFill>
             <a:schemeClr val="tx1"/>
           </a:solidFill>
@@ -3975,8 +3440,8 @@
       <a:defPPr>
         <a:defRPr lang="en-US"/>
       </a:defPPr>
-      <a:lvl1pPr marL="0" algn="l" defTabSz="914400" rtl="0" eaLnBrk="1" latinLnBrk="0" hangingPunct="1">
-        <a:defRPr sz="1800" kern="1200">
+      <a:lvl1pPr marL="0" algn="l" defTabSz="685800" rtl="0" eaLnBrk="1" latinLnBrk="0" hangingPunct="1">
+        <a:defRPr sz="1350" kern="1200">
           <a:solidFill>
             <a:schemeClr val="tx1"/>
           </a:solidFill>
@@ -3985,8 +3450,8 @@
           <a:cs typeface="+mn-cs"/>
         </a:defRPr>
       </a:lvl1pPr>
-      <a:lvl2pPr marL="457200" algn="l" defTabSz="914400" rtl="0" eaLnBrk="1" latinLnBrk="0" hangingPunct="1">
-        <a:defRPr sz="1800" kern="1200">
+      <a:lvl2pPr marL="342900" algn="l" defTabSz="685800" rtl="0" eaLnBrk="1" latinLnBrk="0" hangingPunct="1">
+        <a:defRPr sz="1350" kern="1200">
           <a:solidFill>
             <a:schemeClr val="tx1"/>
           </a:solidFill>
@@ -3995,8 +3460,8 @@
           <a:cs typeface="+mn-cs"/>
         </a:defRPr>
       </a:lvl2pPr>
-      <a:lvl3pPr marL="914400" algn="l" defTabSz="914400" rtl="0" eaLnBrk="1" latinLnBrk="0" hangingPunct="1">
-        <a:defRPr sz="1800" kern="1200">
+      <a:lvl3pPr marL="685800" algn="l" defTabSz="685800" rtl="0" eaLnBrk="1" latinLnBrk="0" hangingPunct="1">
+        <a:defRPr sz="1350" kern="1200">
           <a:solidFill>
             <a:schemeClr val="tx1"/>
           </a:solidFill>
@@ -4005,8 +3470,8 @@
           <a:cs typeface="+mn-cs"/>
         </a:defRPr>
       </a:lvl3pPr>
-      <a:lvl4pPr marL="1371600" algn="l" defTabSz="914400" rtl="0" eaLnBrk="1" latinLnBrk="0" hangingPunct="1">
-        <a:defRPr sz="1800" kern="1200">
+      <a:lvl4pPr marL="1028700" algn="l" defTabSz="685800" rtl="0" eaLnBrk="1" latinLnBrk="0" hangingPunct="1">
+        <a:defRPr sz="1350" kern="1200">
           <a:solidFill>
             <a:schemeClr val="tx1"/>
           </a:solidFill>
@@ -4015,8 +3480,8 @@
           <a:cs typeface="+mn-cs"/>
         </a:defRPr>
       </a:lvl4pPr>
-      <a:lvl5pPr marL="1828800" algn="l" defTabSz="914400" rtl="0" eaLnBrk="1" latinLnBrk="0" hangingPunct="1">
-        <a:defRPr sz="1800" kern="1200">
+      <a:lvl5pPr marL="1371600" algn="l" defTabSz="685800" rtl="0" eaLnBrk="1" latinLnBrk="0" hangingPunct="1">
+        <a:defRPr sz="1350" kern="1200">
           <a:solidFill>
             <a:schemeClr val="tx1"/>
           </a:solidFill>
@@ -4025,8 +3490,8 @@
           <a:cs typeface="+mn-cs"/>
         </a:defRPr>
       </a:lvl5pPr>
-      <a:lvl6pPr marL="2286000" algn="l" defTabSz="914400" rtl="0" eaLnBrk="1" latinLnBrk="0" hangingPunct="1">
-        <a:defRPr sz="1800" kern="1200">
+      <a:lvl6pPr marL="1714500" algn="l" defTabSz="685800" rtl="0" eaLnBrk="1" latinLnBrk="0" hangingPunct="1">
+        <a:defRPr sz="1350" kern="1200">
           <a:solidFill>
             <a:schemeClr val="tx1"/>
           </a:solidFill>
@@ -4035,8 +3500,8 @@
           <a:cs typeface="+mn-cs"/>
         </a:defRPr>
       </a:lvl6pPr>
-      <a:lvl7pPr marL="2743200" algn="l" defTabSz="914400" rtl="0" eaLnBrk="1" latinLnBrk="0" hangingPunct="1">
-        <a:defRPr sz="1800" kern="1200">
+      <a:lvl7pPr marL="2057400" algn="l" defTabSz="685800" rtl="0" eaLnBrk="1" latinLnBrk="0" hangingPunct="1">
+        <a:defRPr sz="1350" kern="1200">
           <a:solidFill>
             <a:schemeClr val="tx1"/>
           </a:solidFill>
@@ -4045,8 +3510,8 @@
           <a:cs typeface="+mn-cs"/>
         </a:defRPr>
       </a:lvl7pPr>
-      <a:lvl8pPr marL="3200400" algn="l" defTabSz="914400" rtl="0" eaLnBrk="1" latinLnBrk="0" hangingPunct="1">
-        <a:defRPr sz="1800" kern="1200">
+      <a:lvl8pPr marL="2400300" algn="l" defTabSz="685800" rtl="0" eaLnBrk="1" latinLnBrk="0" hangingPunct="1">
+        <a:defRPr sz="1350" kern="1200">
           <a:solidFill>
             <a:schemeClr val="tx1"/>
           </a:solidFill>
@@ -4055,8 +3520,8 @@
           <a:cs typeface="+mn-cs"/>
         </a:defRPr>
       </a:lvl8pPr>
-      <a:lvl9pPr marL="3657600" algn="l" defTabSz="914400" rtl="0" eaLnBrk="1" latinLnBrk="0" hangingPunct="1">
-        <a:defRPr sz="1800" kern="1200">
+      <a:lvl9pPr marL="2743200" algn="l" defTabSz="685800" rtl="0" eaLnBrk="1" latinLnBrk="0" hangingPunct="1">
+        <a:defRPr sz="1350" kern="1200">
           <a:solidFill>
             <a:schemeClr val="tx1"/>
           </a:solidFill>
@@ -4153,10 +3618,11 @@
         <p:spPr/>
         <p:txBody>
           <a:bodyPr>
-            <a:normAutofit fontScale="90000"/>
+            <a:normAutofit/>
           </a:bodyPr>
           <a:lstStyle/>
           <a:p>
+            <a:pPr algn="ctr"/>
             <a:r>
               <a:rPr lang="en-US" dirty="0" smtClean="0"/>
               <a:t>What is Machine Leaning</a:t>
@@ -4295,7 +3761,7 @@
         </p:blipFill>
         <p:spPr>
           <a:xfrm>
-            <a:off x="2182851" y="891995"/>
+            <a:off x="1059785" y="739290"/>
             <a:ext cx="6842715" cy="4079750"/>
           </a:xfrm>
           <a:prstGeom prst="rect">
@@ -4345,7 +3811,7 @@
         </p:nvSpPr>
         <p:spPr>
           <a:xfrm>
-            <a:off x="2128720" y="1197405"/>
+            <a:off x="1670605" y="739290"/>
             <a:ext cx="6260905" cy="3358356"/>
           </a:xfrm>
         </p:spPr>
@@ -4409,7 +3875,7 @@
         <p:spPr/>
         <p:txBody>
           <a:bodyPr>
-            <a:normAutofit fontScale="90000"/>
+            <a:normAutofit/>
           </a:bodyPr>
           <a:lstStyle/>
           <a:p>
@@ -5178,192 +4644,20 @@
       </p:sp>
       <p:sp>
         <p:nvSpPr>
-          <p:cNvPr id="15" name="5-Point Star 14"/>
+          <p:cNvPr id="18" name="5-Point Star 17"/>
           <p:cNvSpPr/>
           <p:nvPr/>
         </p:nvSpPr>
         <p:spPr>
           <a:xfrm>
-            <a:off x="4118255" y="2633071"/>
+            <a:off x="4360884" y="1267456"/>
             <a:ext cx="610820" cy="623327"/>
           </a:xfrm>
           <a:prstGeom prst="star5">
             <a:avLst/>
           </a:prstGeom>
           <a:solidFill>
-            <a:schemeClr val="accent3"/>
-          </a:solidFill>
-        </p:spPr>
-        <p:style>
-          <a:lnRef idx="2">
-            <a:schemeClr val="accent1">
-              <a:shade val="50000"/>
-            </a:schemeClr>
-          </a:lnRef>
-          <a:fillRef idx="1">
-            <a:schemeClr val="accent1"/>
-          </a:fillRef>
-          <a:effectRef idx="0">
-            <a:schemeClr val="accent1"/>
-          </a:effectRef>
-          <a:fontRef idx="minor">
-            <a:schemeClr val="lt1"/>
-          </a:fontRef>
-        </p:style>
-        <p:txBody>
-          <a:bodyPr rtlCol="0" anchor="ctr"/>
-          <a:lstStyle/>
-          <a:p>
-            <a:pPr algn="ctr"/>
-            <a:endParaRPr lang="en-GB"/>
-          </a:p>
-        </p:txBody>
-      </p:sp>
-      <p:sp>
-        <p:nvSpPr>
-          <p:cNvPr id="16" name="5-Point Star 15"/>
-          <p:cNvSpPr/>
-          <p:nvPr/>
-        </p:nvSpPr>
-        <p:spPr>
-          <a:xfrm>
-            <a:off x="4646167" y="3190757"/>
-            <a:ext cx="610820" cy="623327"/>
-          </a:xfrm>
-          <a:prstGeom prst="star5">
-            <a:avLst/>
-          </a:prstGeom>
-          <a:solidFill>
-            <a:schemeClr val="accent3"/>
-          </a:solidFill>
-        </p:spPr>
-        <p:style>
-          <a:lnRef idx="2">
-            <a:schemeClr val="accent1">
-              <a:shade val="50000"/>
-            </a:schemeClr>
-          </a:lnRef>
-          <a:fillRef idx="1">
-            <a:schemeClr val="accent1"/>
-          </a:fillRef>
-          <a:effectRef idx="0">
-            <a:schemeClr val="accent1"/>
-          </a:effectRef>
-          <a:fontRef idx="minor">
-            <a:schemeClr val="lt1"/>
-          </a:fontRef>
-        </p:style>
-        <p:txBody>
-          <a:bodyPr rtlCol="0" anchor="ctr"/>
-          <a:lstStyle/>
-          <a:p>
-            <a:pPr algn="ctr"/>
-            <a:endParaRPr lang="en-GB"/>
-          </a:p>
-        </p:txBody>
-      </p:sp>
-      <p:sp>
-        <p:nvSpPr>
-          <p:cNvPr id="17" name="5-Point Star 16"/>
-          <p:cNvSpPr/>
-          <p:nvPr/>
-        </p:nvSpPr>
-        <p:spPr>
-          <a:xfrm>
-            <a:off x="3355863" y="2432087"/>
-            <a:ext cx="610820" cy="623327"/>
-          </a:xfrm>
-          <a:prstGeom prst="star5">
-            <a:avLst/>
-          </a:prstGeom>
-          <a:solidFill>
-            <a:schemeClr val="accent3"/>
-          </a:solidFill>
-        </p:spPr>
-        <p:style>
-          <a:lnRef idx="2">
-            <a:schemeClr val="accent1">
-              <a:shade val="50000"/>
-            </a:schemeClr>
-          </a:lnRef>
-          <a:fillRef idx="1">
-            <a:schemeClr val="accent1"/>
-          </a:fillRef>
-          <a:effectRef idx="0">
-            <a:schemeClr val="accent1"/>
-          </a:effectRef>
-          <a:fontRef idx="minor">
-            <a:schemeClr val="lt1"/>
-          </a:fontRef>
-        </p:style>
-        <p:txBody>
-          <a:bodyPr rtlCol="0" anchor="ctr"/>
-          <a:lstStyle/>
-          <a:p>
-            <a:pPr algn="ctr"/>
-            <a:endParaRPr lang="en-GB"/>
-          </a:p>
-        </p:txBody>
-      </p:sp>
-      <p:sp>
-        <p:nvSpPr>
-          <p:cNvPr id="18" name="5-Point Star 17"/>
-          <p:cNvSpPr/>
-          <p:nvPr/>
-        </p:nvSpPr>
-        <p:spPr>
-          <a:xfrm>
-            <a:off x="3900971" y="1887181"/>
-            <a:ext cx="610820" cy="623327"/>
-          </a:xfrm>
-          <a:prstGeom prst="star5">
-            <a:avLst/>
-          </a:prstGeom>
-          <a:solidFill>
-            <a:schemeClr val="accent3"/>
-          </a:solidFill>
-        </p:spPr>
-        <p:style>
-          <a:lnRef idx="2">
-            <a:schemeClr val="accent1">
-              <a:shade val="50000"/>
-            </a:schemeClr>
-          </a:lnRef>
-          <a:fillRef idx="1">
-            <a:schemeClr val="accent1"/>
-          </a:fillRef>
-          <a:effectRef idx="0">
-            <a:schemeClr val="accent1"/>
-          </a:effectRef>
-          <a:fontRef idx="minor">
-            <a:schemeClr val="lt1"/>
-          </a:fontRef>
-        </p:style>
-        <p:txBody>
-          <a:bodyPr rtlCol="0" anchor="ctr"/>
-          <a:lstStyle/>
-          <a:p>
-            <a:pPr algn="ctr"/>
-            <a:endParaRPr lang="en-GB"/>
-          </a:p>
-        </p:txBody>
-      </p:sp>
-      <p:sp>
-        <p:nvSpPr>
-          <p:cNvPr id="19" name="5-Point Star 18"/>
-          <p:cNvSpPr/>
-          <p:nvPr/>
-        </p:nvSpPr>
-        <p:spPr>
-          <a:xfrm>
-            <a:off x="4401493" y="1322135"/>
-            <a:ext cx="610820" cy="623327"/>
-          </a:xfrm>
-          <a:prstGeom prst="star5">
-            <a:avLst/>
-          </a:prstGeom>
-          <a:solidFill>
-            <a:schemeClr val="accent3"/>
+            <a:schemeClr val="accent6"/>
           </a:solidFill>
         </p:spPr>
         <p:style>
@@ -5610,6 +4904,178 @@
           </a:fontRef>
         </p:style>
       </p:cxnSp>
+      <p:sp>
+        <p:nvSpPr>
+          <p:cNvPr id="23" name="5-Point Star 22"/>
+          <p:cNvSpPr/>
+          <p:nvPr/>
+        </p:nvSpPr>
+        <p:spPr>
+          <a:xfrm>
+            <a:off x="3475567" y="1152293"/>
+            <a:ext cx="610820" cy="623327"/>
+          </a:xfrm>
+          <a:prstGeom prst="star5">
+            <a:avLst/>
+          </a:prstGeom>
+          <a:solidFill>
+            <a:schemeClr val="accent6"/>
+          </a:solidFill>
+        </p:spPr>
+        <p:style>
+          <a:lnRef idx="2">
+            <a:schemeClr val="accent1">
+              <a:shade val="50000"/>
+            </a:schemeClr>
+          </a:lnRef>
+          <a:fillRef idx="1">
+            <a:schemeClr val="accent1"/>
+          </a:fillRef>
+          <a:effectRef idx="0">
+            <a:schemeClr val="accent1"/>
+          </a:effectRef>
+          <a:fontRef idx="minor">
+            <a:schemeClr val="lt1"/>
+          </a:fontRef>
+        </p:style>
+        <p:txBody>
+          <a:bodyPr rtlCol="0" anchor="ctr"/>
+          <a:lstStyle/>
+          <a:p>
+            <a:pPr algn="ctr"/>
+            <a:endParaRPr lang="en-GB"/>
+          </a:p>
+        </p:txBody>
+      </p:sp>
+      <p:sp>
+        <p:nvSpPr>
+          <p:cNvPr id="25" name="5-Point Star 24"/>
+          <p:cNvSpPr/>
+          <p:nvPr/>
+        </p:nvSpPr>
+        <p:spPr>
+          <a:xfrm>
+            <a:off x="3858359" y="1971679"/>
+            <a:ext cx="610820" cy="623327"/>
+          </a:xfrm>
+          <a:prstGeom prst="star5">
+            <a:avLst/>
+          </a:prstGeom>
+          <a:solidFill>
+            <a:schemeClr val="accent6"/>
+          </a:solidFill>
+        </p:spPr>
+        <p:style>
+          <a:lnRef idx="2">
+            <a:schemeClr val="accent1">
+              <a:shade val="50000"/>
+            </a:schemeClr>
+          </a:lnRef>
+          <a:fillRef idx="1">
+            <a:schemeClr val="accent1"/>
+          </a:fillRef>
+          <a:effectRef idx="0">
+            <a:schemeClr val="accent1"/>
+          </a:effectRef>
+          <a:fontRef idx="minor">
+            <a:schemeClr val="lt1"/>
+          </a:fontRef>
+        </p:style>
+        <p:txBody>
+          <a:bodyPr rtlCol="0" anchor="ctr"/>
+          <a:lstStyle/>
+          <a:p>
+            <a:pPr algn="ctr"/>
+            <a:endParaRPr lang="en-GB"/>
+          </a:p>
+        </p:txBody>
+      </p:sp>
+      <p:sp>
+        <p:nvSpPr>
+          <p:cNvPr id="27" name="5-Point Star 26"/>
+          <p:cNvSpPr/>
+          <p:nvPr/>
+        </p:nvSpPr>
+        <p:spPr>
+          <a:xfrm>
+            <a:off x="3168561" y="2375280"/>
+            <a:ext cx="610820" cy="623327"/>
+          </a:xfrm>
+          <a:prstGeom prst="star5">
+            <a:avLst/>
+          </a:prstGeom>
+          <a:solidFill>
+            <a:schemeClr val="accent6"/>
+          </a:solidFill>
+        </p:spPr>
+        <p:style>
+          <a:lnRef idx="2">
+            <a:schemeClr val="accent1">
+              <a:shade val="50000"/>
+            </a:schemeClr>
+          </a:lnRef>
+          <a:fillRef idx="1">
+            <a:schemeClr val="accent1"/>
+          </a:fillRef>
+          <a:effectRef idx="0">
+            <a:schemeClr val="accent1"/>
+          </a:effectRef>
+          <a:fontRef idx="minor">
+            <a:schemeClr val="lt1"/>
+          </a:fontRef>
+        </p:style>
+        <p:txBody>
+          <a:bodyPr rtlCol="0" anchor="ctr"/>
+          <a:lstStyle/>
+          <a:p>
+            <a:pPr algn="ctr"/>
+            <a:endParaRPr lang="en-GB"/>
+          </a:p>
+        </p:txBody>
+      </p:sp>
+      <p:sp>
+        <p:nvSpPr>
+          <p:cNvPr id="28" name="5-Point Star 27"/>
+          <p:cNvSpPr/>
+          <p:nvPr/>
+        </p:nvSpPr>
+        <p:spPr>
+          <a:xfrm>
+            <a:off x="4092542" y="2823944"/>
+            <a:ext cx="610820" cy="623327"/>
+          </a:xfrm>
+          <a:prstGeom prst="star5">
+            <a:avLst/>
+          </a:prstGeom>
+          <a:solidFill>
+            <a:schemeClr val="accent6"/>
+          </a:solidFill>
+        </p:spPr>
+        <p:style>
+          <a:lnRef idx="2">
+            <a:schemeClr val="accent1">
+              <a:shade val="50000"/>
+            </a:schemeClr>
+          </a:lnRef>
+          <a:fillRef idx="1">
+            <a:schemeClr val="accent1"/>
+          </a:fillRef>
+          <a:effectRef idx="0">
+            <a:schemeClr val="accent1"/>
+          </a:effectRef>
+          <a:fontRef idx="minor">
+            <a:schemeClr val="lt1"/>
+          </a:fontRef>
+        </p:style>
+        <p:txBody>
+          <a:bodyPr rtlCol="0" anchor="ctr"/>
+          <a:lstStyle/>
+          <a:p>
+            <a:pPr algn="ctr"/>
+            <a:endParaRPr lang="en-GB"/>
+          </a:p>
+        </p:txBody>
+      </p:sp>
     </p:spTree>
     <p:extLst>
       <p:ext uri="{BB962C8B-B14F-4D97-AF65-F5344CB8AC3E}">
@@ -5634,44 +5100,44 @@
         <a:sysClr val="window" lastClr="FFFFFF"/>
       </a:lt1>
       <a:dk2>
-        <a:srgbClr val="1F497D"/>
+        <a:srgbClr val="44546A"/>
       </a:dk2>
       <a:lt2>
-        <a:srgbClr val="EEECE1"/>
+        <a:srgbClr val="E7E6E6"/>
       </a:lt2>
       <a:accent1>
-        <a:srgbClr val="4F81BD"/>
+        <a:srgbClr val="5B9BD5"/>
       </a:accent1>
       <a:accent2>
-        <a:srgbClr val="C0504D"/>
+        <a:srgbClr val="ED7D31"/>
       </a:accent2>
       <a:accent3>
-        <a:srgbClr val="9BBB59"/>
+        <a:srgbClr val="A5A5A5"/>
       </a:accent3>
       <a:accent4>
-        <a:srgbClr val="8064A2"/>
+        <a:srgbClr val="FFC000"/>
       </a:accent4>
       <a:accent5>
-        <a:srgbClr val="4BACC6"/>
+        <a:srgbClr val="4472C4"/>
       </a:accent5>
       <a:accent6>
-        <a:srgbClr val="F79646"/>
+        <a:srgbClr val="70AD47"/>
       </a:accent6>
       <a:hlink>
-        <a:srgbClr val="0000FF"/>
+        <a:srgbClr val="0563C1"/>
       </a:hlink>
       <a:folHlink>
-        <a:srgbClr val="800080"/>
+        <a:srgbClr val="954F72"/>
       </a:folHlink>
     </a:clrScheme>
     <a:fontScheme name="Office">
       <a:majorFont>
-        <a:latin typeface="Calibri"/>
+        <a:latin typeface="Calibri Light" panose="020F0302020204030204"/>
         <a:ea typeface=""/>
         <a:cs typeface=""/>
-        <a:font script="Jpan" typeface="ＭＳ Ｐゴシック"/>
+        <a:font script="Jpan" typeface="游ゴシック Light"/>
         <a:font script="Hang" typeface="맑은 고딕"/>
-        <a:font script="Hans" typeface="宋体"/>
+        <a:font script="Hans" typeface="等线 Light"/>
         <a:font script="Hant" typeface="新細明體"/>
         <a:font script="Arab" typeface="Times New Roman"/>
         <a:font script="Hebr" typeface="Times New Roman"/>
@@ -5701,12 +5167,12 @@
         <a:font script="Geor" typeface="Sylfaen"/>
       </a:majorFont>
       <a:minorFont>
-        <a:latin typeface="Calibri"/>
+        <a:latin typeface="Calibri" panose="020F0502020204030204"/>
         <a:ea typeface=""/>
         <a:cs typeface=""/>
-        <a:font script="Jpan" typeface="ＭＳ Ｐゴシック"/>
+        <a:font script="Jpan" typeface="游ゴシック"/>
         <a:font script="Hang" typeface="맑은 고딕"/>
-        <a:font script="Hans" typeface="宋体"/>
+        <a:font script="Hans" typeface="等线"/>
         <a:font script="Hant" typeface="新細明體"/>
         <a:font script="Arab" typeface="Arial"/>
         <a:font script="Hebr" typeface="Arial"/>
@@ -5745,166 +5211,142 @@
           <a:gsLst>
             <a:gs pos="0">
               <a:schemeClr val="phClr">
-                <a:tint val="50000"/>
-                <a:satMod val="300000"/>
+                <a:lumMod val="110000"/>
+                <a:satMod val="105000"/>
+                <a:tint val="67000"/>
               </a:schemeClr>
             </a:gs>
-            <a:gs pos="35000">
+            <a:gs pos="50000">
               <a:schemeClr val="phClr">
-                <a:tint val="37000"/>
-                <a:satMod val="300000"/>
+                <a:lumMod val="105000"/>
+                <a:satMod val="103000"/>
+                <a:tint val="73000"/>
               </a:schemeClr>
             </a:gs>
             <a:gs pos="100000">
               <a:schemeClr val="phClr">
-                <a:tint val="15000"/>
-                <a:satMod val="350000"/>
+                <a:lumMod val="105000"/>
+                <a:satMod val="109000"/>
+                <a:tint val="81000"/>
               </a:schemeClr>
             </a:gs>
           </a:gsLst>
-          <a:lin ang="16200000" scaled="1"/>
+          <a:lin ang="5400000" scaled="0"/>
         </a:gradFill>
         <a:gradFill rotWithShape="1">
           <a:gsLst>
             <a:gs pos="0">
               <a:schemeClr val="phClr">
-                <a:shade val="51000"/>
-                <a:satMod val="130000"/>
+                <a:satMod val="103000"/>
+                <a:lumMod val="102000"/>
+                <a:tint val="94000"/>
               </a:schemeClr>
             </a:gs>
-            <a:gs pos="80000">
+            <a:gs pos="50000">
               <a:schemeClr val="phClr">
-                <a:shade val="93000"/>
-                <a:satMod val="130000"/>
+                <a:satMod val="110000"/>
+                <a:lumMod val="100000"/>
+                <a:shade val="100000"/>
               </a:schemeClr>
             </a:gs>
             <a:gs pos="100000">
               <a:schemeClr val="phClr">
-                <a:shade val="94000"/>
-                <a:satMod val="135000"/>
+                <a:lumMod val="99000"/>
+                <a:satMod val="120000"/>
+                <a:shade val="78000"/>
               </a:schemeClr>
             </a:gs>
           </a:gsLst>
-          <a:lin ang="16200000" scaled="0"/>
+          <a:lin ang="5400000" scaled="0"/>
         </a:gradFill>
       </a:fillStyleLst>
       <a:lnStyleLst>
-        <a:ln w="9525" cap="flat" cmpd="sng" algn="ctr">
-          <a:solidFill>
-            <a:schemeClr val="phClr">
-              <a:shade val="95000"/>
-              <a:satMod val="105000"/>
-            </a:schemeClr>
-          </a:solidFill>
-          <a:prstDash val="solid"/>
-        </a:ln>
-        <a:ln w="25400" cap="flat" cmpd="sng" algn="ctr">
+        <a:ln w="6350" cap="flat" cmpd="sng" algn="ctr">
           <a:solidFill>
             <a:schemeClr val="phClr"/>
           </a:solidFill>
           <a:prstDash val="solid"/>
+          <a:miter lim="800000"/>
         </a:ln>
-        <a:ln w="38100" cap="flat" cmpd="sng" algn="ctr">
+        <a:ln w="12700" cap="flat" cmpd="sng" algn="ctr">
           <a:solidFill>
             <a:schemeClr val="phClr"/>
           </a:solidFill>
           <a:prstDash val="solid"/>
+          <a:miter lim="800000"/>
+        </a:ln>
+        <a:ln w="19050" cap="flat" cmpd="sng" algn="ctr">
+          <a:solidFill>
+            <a:schemeClr val="phClr"/>
+          </a:solidFill>
+          <a:prstDash val="solid"/>
+          <a:miter lim="800000"/>
         </a:ln>
       </a:lnStyleLst>
       <a:effectStyleLst>
         <a:effectStyle>
+          <a:effectLst/>
+        </a:effectStyle>
+        <a:effectStyle>
+          <a:effectLst/>
+        </a:effectStyle>
+        <a:effectStyle>
           <a:effectLst>
-            <a:outerShdw blurRad="40000" dist="20000" dir="5400000" rotWithShape="0">
+            <a:outerShdw blurRad="57150" dist="19050" dir="5400000" algn="ctr" rotWithShape="0">
               <a:srgbClr val="000000">
-                <a:alpha val="38000"/>
+                <a:alpha val="63000"/>
               </a:srgbClr>
             </a:outerShdw>
           </a:effectLst>
-        </a:effectStyle>
-        <a:effectStyle>
-          <a:effectLst>
-            <a:outerShdw blurRad="40000" dist="23000" dir="5400000" rotWithShape="0">
-              <a:srgbClr val="000000">
-                <a:alpha val="35000"/>
-              </a:srgbClr>
-            </a:outerShdw>
-          </a:effectLst>
-        </a:effectStyle>
-        <a:effectStyle>
-          <a:effectLst>
-            <a:outerShdw blurRad="40000" dist="23000" dir="5400000" rotWithShape="0">
-              <a:srgbClr val="000000">
-                <a:alpha val="35000"/>
-              </a:srgbClr>
-            </a:outerShdw>
-          </a:effectLst>
-          <a:scene3d>
-            <a:camera prst="orthographicFront">
-              <a:rot lat="0" lon="0" rev="0"/>
-            </a:camera>
-            <a:lightRig rig="threePt" dir="t">
-              <a:rot lat="0" lon="0" rev="1200000"/>
-            </a:lightRig>
-          </a:scene3d>
-          <a:sp3d>
-            <a:bevelT w="63500" h="25400"/>
-          </a:sp3d>
         </a:effectStyle>
       </a:effectStyleLst>
       <a:bgFillStyleLst>
         <a:solidFill>
           <a:schemeClr val="phClr"/>
         </a:solidFill>
+        <a:solidFill>
+          <a:schemeClr val="phClr">
+            <a:tint val="95000"/>
+            <a:satMod val="170000"/>
+          </a:schemeClr>
+        </a:solidFill>
         <a:gradFill rotWithShape="1">
           <a:gsLst>
             <a:gs pos="0">
               <a:schemeClr val="phClr">
-                <a:tint val="40000"/>
-                <a:satMod val="350000"/>
+                <a:tint val="93000"/>
+                <a:satMod val="150000"/>
+                <a:shade val="98000"/>
+                <a:lumMod val="102000"/>
               </a:schemeClr>
             </a:gs>
-            <a:gs pos="40000">
+            <a:gs pos="50000">
               <a:schemeClr val="phClr">
-                <a:tint val="45000"/>
-                <a:shade val="99000"/>
-                <a:satMod val="350000"/>
+                <a:tint val="98000"/>
+                <a:satMod val="130000"/>
+                <a:shade val="90000"/>
+                <a:lumMod val="103000"/>
               </a:schemeClr>
             </a:gs>
             <a:gs pos="100000">
               <a:schemeClr val="phClr">
-                <a:shade val="20000"/>
-                <a:satMod val="255000"/>
+                <a:shade val="63000"/>
+                <a:satMod val="120000"/>
               </a:schemeClr>
             </a:gs>
           </a:gsLst>
-          <a:path path="circle">
-            <a:fillToRect l="50000" t="-80000" r="50000" b="180000"/>
-          </a:path>
-        </a:gradFill>
-        <a:gradFill rotWithShape="1">
-          <a:gsLst>
-            <a:gs pos="0">
-              <a:schemeClr val="phClr">
-                <a:tint val="80000"/>
-                <a:satMod val="300000"/>
-              </a:schemeClr>
-            </a:gs>
-            <a:gs pos="100000">
-              <a:schemeClr val="phClr">
-                <a:shade val="30000"/>
-                <a:satMod val="200000"/>
-              </a:schemeClr>
-            </a:gs>
-          </a:gsLst>
-          <a:path path="circle">
-            <a:fillToRect l="50000" t="50000" r="50000" b="50000"/>
-          </a:path>
+          <a:lin ang="5400000" scaled="0"/>
         </a:gradFill>
       </a:bgFillStyleLst>
     </a:fmtScheme>
   </a:themeElements>
   <a:objectDefaults/>
   <a:extraClrSchemeLst/>
+  <a:extLst>
+    <a:ext uri="{05A4C25C-085E-4340-85A3-A5531E510DB2}">
+      <thm15:themeFamily xmlns:thm15="http://schemas.microsoft.com/office/thememl/2012/main" name="Office Theme" id="{62F939B6-93AF-4DB8-9C6B-D6C7DFDC589F}" vid="{4A3C46E8-61CC-4603-A589-7422A47A8E4A}"/>
+    </a:ext>
+  </a:extLst>
 </a:theme>
 </file>
 
